--- a/week-3.pptx
+++ b/week-3.pptx
@@ -5,23 +5,20 @@
     <p:sldMasterId id="2147483648" r:id="rId1"/>
   </p:sldMasterIdLst>
   <p:notesMasterIdLst>
-    <p:notesMasterId r:id="rId16"/>
+    <p:notesMasterId r:id="rId13"/>
   </p:notesMasterIdLst>
   <p:sldIdLst>
     <p:sldId id="256" r:id="rId2"/>
     <p:sldId id="257" r:id="rId3"/>
-    <p:sldId id="271" r:id="rId4"/>
-    <p:sldId id="272" r:id="rId5"/>
-    <p:sldId id="275" r:id="rId6"/>
-    <p:sldId id="273" r:id="rId7"/>
-    <p:sldId id="274" r:id="rId8"/>
-    <p:sldId id="258" r:id="rId9"/>
-    <p:sldId id="259" r:id="rId10"/>
-    <p:sldId id="262" r:id="rId11"/>
+    <p:sldId id="278" r:id="rId4"/>
+    <p:sldId id="271" r:id="rId5"/>
+    <p:sldId id="276" r:id="rId6"/>
+    <p:sldId id="272" r:id="rId7"/>
+    <p:sldId id="273" r:id="rId8"/>
+    <p:sldId id="274" r:id="rId9"/>
+    <p:sldId id="270" r:id="rId10"/>
+    <p:sldId id="277" r:id="rId11"/>
     <p:sldId id="260" r:id="rId12"/>
-    <p:sldId id="267" r:id="rId13"/>
-    <p:sldId id="270" r:id="rId14"/>
-    <p:sldId id="261" r:id="rId15"/>
   </p:sldIdLst>
   <p:sldSz cx="12192000" cy="6858000"/>
   <p:notesSz cx="6858000" cy="9144000"/>
@@ -210,7 +207,7 @@
           <a:p>
             <a:fld id="{1C52D7C2-8534-4E7A-ABC4-691EAD8C514E}" type="datetimeFigureOut">
               <a:rPr lang="en-IN" smtClean="0"/>
-              <a:t>15-06-2021</a:t>
+              <a:t>19-06-2021</a:t>
             </a:fld>
             <a:endParaRPr lang="en-IN"/>
           </a:p>
@@ -711,7 +708,7 @@
           <a:p>
             <a:fld id="{C13FBCF6-97A0-4024-9E89-2567FE0DCFCF}" type="datetimeFigureOut">
               <a:rPr lang="en-IN" smtClean="0"/>
-              <a:t>15-06-2021</a:t>
+              <a:t>19-06-2021</a:t>
             </a:fld>
             <a:endParaRPr lang="en-IN"/>
           </a:p>
@@ -911,7 +908,7 @@
           <a:p>
             <a:fld id="{C13FBCF6-97A0-4024-9E89-2567FE0DCFCF}" type="datetimeFigureOut">
               <a:rPr lang="en-IN" smtClean="0"/>
-              <a:t>15-06-2021</a:t>
+              <a:t>19-06-2021</a:t>
             </a:fld>
             <a:endParaRPr lang="en-IN"/>
           </a:p>
@@ -1121,7 +1118,7 @@
           <a:p>
             <a:fld id="{C13FBCF6-97A0-4024-9E89-2567FE0DCFCF}" type="datetimeFigureOut">
               <a:rPr lang="en-IN" smtClean="0"/>
-              <a:t>15-06-2021</a:t>
+              <a:t>19-06-2021</a:t>
             </a:fld>
             <a:endParaRPr lang="en-IN"/>
           </a:p>
@@ -1321,7 +1318,7 @@
           <a:p>
             <a:fld id="{C13FBCF6-97A0-4024-9E89-2567FE0DCFCF}" type="datetimeFigureOut">
               <a:rPr lang="en-IN" smtClean="0"/>
-              <a:t>15-06-2021</a:t>
+              <a:t>19-06-2021</a:t>
             </a:fld>
             <a:endParaRPr lang="en-IN"/>
           </a:p>
@@ -1597,7 +1594,7 @@
           <a:p>
             <a:fld id="{C13FBCF6-97A0-4024-9E89-2567FE0DCFCF}" type="datetimeFigureOut">
               <a:rPr lang="en-IN" smtClean="0"/>
-              <a:t>15-06-2021</a:t>
+              <a:t>19-06-2021</a:t>
             </a:fld>
             <a:endParaRPr lang="en-IN"/>
           </a:p>
@@ -1865,7 +1862,7 @@
           <a:p>
             <a:fld id="{C13FBCF6-97A0-4024-9E89-2567FE0DCFCF}" type="datetimeFigureOut">
               <a:rPr lang="en-IN" smtClean="0"/>
-              <a:t>15-06-2021</a:t>
+              <a:t>19-06-2021</a:t>
             </a:fld>
             <a:endParaRPr lang="en-IN"/>
           </a:p>
@@ -2280,7 +2277,7 @@
           <a:p>
             <a:fld id="{C13FBCF6-97A0-4024-9E89-2567FE0DCFCF}" type="datetimeFigureOut">
               <a:rPr lang="en-IN" smtClean="0"/>
-              <a:t>15-06-2021</a:t>
+              <a:t>19-06-2021</a:t>
             </a:fld>
             <a:endParaRPr lang="en-IN"/>
           </a:p>
@@ -2422,7 +2419,7 @@
           <a:p>
             <a:fld id="{C13FBCF6-97A0-4024-9E89-2567FE0DCFCF}" type="datetimeFigureOut">
               <a:rPr lang="en-IN" smtClean="0"/>
-              <a:t>15-06-2021</a:t>
+              <a:t>19-06-2021</a:t>
             </a:fld>
             <a:endParaRPr lang="en-IN"/>
           </a:p>
@@ -2535,7 +2532,7 @@
           <a:p>
             <a:fld id="{C13FBCF6-97A0-4024-9E89-2567FE0DCFCF}" type="datetimeFigureOut">
               <a:rPr lang="en-IN" smtClean="0"/>
-              <a:t>15-06-2021</a:t>
+              <a:t>19-06-2021</a:t>
             </a:fld>
             <a:endParaRPr lang="en-IN"/>
           </a:p>
@@ -2848,7 +2845,7 @@
           <a:p>
             <a:fld id="{C13FBCF6-97A0-4024-9E89-2567FE0DCFCF}" type="datetimeFigureOut">
               <a:rPr lang="en-IN" smtClean="0"/>
-              <a:t>15-06-2021</a:t>
+              <a:t>19-06-2021</a:t>
             </a:fld>
             <a:endParaRPr lang="en-IN"/>
           </a:p>
@@ -3137,7 +3134,7 @@
           <a:p>
             <a:fld id="{C13FBCF6-97A0-4024-9E89-2567FE0DCFCF}" type="datetimeFigureOut">
               <a:rPr lang="en-IN" smtClean="0"/>
-              <a:t>15-06-2021</a:t>
+              <a:t>19-06-2021</a:t>
             </a:fld>
             <a:endParaRPr lang="en-IN"/>
           </a:p>
@@ -3380,7 +3377,7 @@
           <a:p>
             <a:fld id="{C13FBCF6-97A0-4024-9E89-2567FE0DCFCF}" type="datetimeFigureOut">
               <a:rPr lang="en-IN" smtClean="0"/>
-              <a:t>15-06-2021</a:t>
+              <a:t>19-06-2021</a:t>
             </a:fld>
             <a:endParaRPr lang="en-IN"/>
           </a:p>
@@ -3890,14 +3887,6 @@
 <file path=ppt/slides/slide10.xml><?xml version="1.0" encoding="utf-8"?>
 <p:sld xmlns:a="http://schemas.openxmlformats.org/drawingml/2006/main" xmlns:r="http://schemas.openxmlformats.org/officeDocument/2006/relationships" xmlns:p="http://schemas.openxmlformats.org/presentationml/2006/main">
   <p:cSld>
-    <p:bg>
-      <p:bgPr>
-        <a:solidFill>
-          <a:schemeClr val="bg1"/>
-        </a:solidFill>
-        <a:effectLst/>
-      </p:bgPr>
-    </p:bg>
     <p:spTree>
       <p:nvGrpSpPr>
         <p:cNvPr id="1" name=""/>
@@ -3912,72 +3901,12 @@
           <a:chExt cx="0" cy="0"/>
         </a:xfrm>
       </p:grpSpPr>
-      <p:sp useBgFill="1">
-        <p:nvSpPr>
-          <p:cNvPr id="1032" name="Rectangle 138">
-            <a:extLst>
-              <a:ext uri="{FF2B5EF4-FFF2-40B4-BE49-F238E27FC236}">
-                <a16:creationId xmlns:a16="http://schemas.microsoft.com/office/drawing/2014/main" id="{6ECA6DCB-B7E1-40A9-9524-540C6DA40B1B}"/>
-              </a:ext>
-              <a:ext uri="{C183D7F6-B498-43B3-948B-1728B52AA6E4}">
-                <adec:decorative xmlns:adec="http://schemas.microsoft.com/office/drawing/2017/decorative" val="1"/>
-              </a:ext>
-            </a:extLst>
-          </p:cNvPr>
-          <p:cNvSpPr>
-            <a:spLocks noGrp="1" noRot="1" noChangeAspect="1" noMove="1" noResize="1" noEditPoints="1" noAdjustHandles="1" noChangeArrowheads="1" noChangeShapeType="1" noTextEdit="1"/>
-          </p:cNvSpPr>
-          <p:nvPr>
-            <p:extLst>
-              <p:ext uri="{386F3935-93C4-4BCD-93E2-E3B085C9AB24}">
-                <p16:designElem xmlns:p16="http://schemas.microsoft.com/office/powerpoint/2015/main" val="1"/>
-              </p:ext>
-            </p:extLst>
-          </p:nvPr>
-        </p:nvSpPr>
-        <p:spPr>
-          <a:xfrm>
-            <a:off x="0" y="0"/>
-            <a:ext cx="12191999" cy="6857365"/>
-          </a:xfrm>
-          <a:prstGeom prst="rect">
-            <a:avLst/>
-          </a:prstGeom>
-          <a:ln>
-            <a:noFill/>
-          </a:ln>
-        </p:spPr>
-        <p:style>
-          <a:lnRef idx="2">
-            <a:schemeClr val="accent1">
-              <a:shade val="50000"/>
-            </a:schemeClr>
-          </a:lnRef>
-          <a:fillRef idx="1">
-            <a:schemeClr val="accent1"/>
-          </a:fillRef>
-          <a:effectRef idx="0">
-            <a:schemeClr val="accent1"/>
-          </a:effectRef>
-          <a:fontRef idx="minor">
-            <a:schemeClr val="lt1"/>
-          </a:fontRef>
-        </p:style>
-        <p:txBody>
-          <a:bodyPr rtlCol="0" anchor="ctr"/>
-          <a:lstStyle/>
-          <a:p>
-            <a:pPr algn="ctr"/>
-            <a:endParaRPr lang="en-US"/>
-          </a:p>
-        </p:txBody>
-      </p:sp>
       <p:sp>
         <p:nvSpPr>
           <p:cNvPr id="2" name="Title 1">
             <a:extLst>
               <a:ext uri="{FF2B5EF4-FFF2-40B4-BE49-F238E27FC236}">
-                <a16:creationId xmlns:a16="http://schemas.microsoft.com/office/drawing/2014/main" id="{FBBA8E68-9F15-4FBC-B9CE-30624270C6CA}"/>
+                <a16:creationId xmlns:a16="http://schemas.microsoft.com/office/drawing/2014/main" id="{6493F269-B29A-431B-9558-644E187EE849}"/>
               </a:ext>
             </a:extLst>
           </p:cNvPr>
@@ -3988,249 +3917,25 @@
             <p:ph type="title"/>
           </p:nvPr>
         </p:nvSpPr>
-        <p:spPr>
-          <a:xfrm>
-            <a:off x="589560" y="856180"/>
-            <a:ext cx="5279408" cy="1128068"/>
-          </a:xfrm>
-        </p:spPr>
-        <p:txBody>
-          <a:bodyPr anchor="ctr">
-            <a:normAutofit/>
-          </a:bodyPr>
-          <a:lstStyle/>
-          <a:p>
-            <a:r>
-              <a:rPr lang="en-US" sz="4000"/>
-              <a:t>Transportation problem</a:t>
-            </a:r>
-            <a:endParaRPr lang="en-IN" sz="4000"/>
-          </a:p>
-        </p:txBody>
-      </p:sp>
-      <p:grpSp>
-        <p:nvGrpSpPr>
-          <p:cNvPr id="1033" name="Group 140">
-            <a:extLst>
-              <a:ext uri="{FF2B5EF4-FFF2-40B4-BE49-F238E27FC236}">
-                <a16:creationId xmlns:a16="http://schemas.microsoft.com/office/drawing/2014/main" id="{1DE889C7-FAD6-4397-98E2-05D503484459}"/>
-              </a:ext>
-              <a:ext uri="{C183D7F6-B498-43B3-948B-1728B52AA6E4}">
-                <adec:decorative xmlns:adec="http://schemas.microsoft.com/office/drawing/2017/decorative" val="1"/>
-              </a:ext>
-            </a:extLst>
-          </p:cNvPr>
-          <p:cNvGrpSpPr>
-            <a:grpSpLocks noGrp="1" noUngrp="1" noRot="1" noChangeAspect="1" noMove="1" noResize="1"/>
-          </p:cNvGrpSpPr>
-          <p:nvPr>
-            <p:extLst>
-              <p:ext uri="{386F3935-93C4-4BCD-93E2-E3B085C9AB24}">
-                <p16:designElem xmlns:p16="http://schemas.microsoft.com/office/powerpoint/2015/main" val="1"/>
-              </p:ext>
-            </p:extLst>
-          </p:nvPr>
-        </p:nvGrpSpPr>
-        <p:grpSpPr>
-          <a:xfrm>
-            <a:off x="0" y="1083484"/>
-            <a:ext cx="355196" cy="673460"/>
-            <a:chOff x="0" y="823811"/>
-            <a:chExt cx="355196" cy="673460"/>
-          </a:xfrm>
-        </p:grpSpPr>
-        <p:sp>
-          <p:nvSpPr>
-            <p:cNvPr id="142" name="Rectangle 141">
-              <a:extLst>
-                <a:ext uri="{FF2B5EF4-FFF2-40B4-BE49-F238E27FC236}">
-                  <a16:creationId xmlns:a16="http://schemas.microsoft.com/office/drawing/2014/main" id="{F399A70F-F8CD-4992-9EF5-6CF15472E73F}"/>
-                </a:ext>
-                <a:ext uri="{C183D7F6-B498-43B3-948B-1728B52AA6E4}">
-                  <adec:decorative xmlns:adec="http://schemas.microsoft.com/office/drawing/2017/decorative" val="1"/>
-                </a:ext>
-              </a:extLst>
-            </p:cNvPr>
-            <p:cNvSpPr/>
-            <p:nvPr>
-              <p:extLst>
-                <p:ext uri="{386F3935-93C4-4BCD-93E2-E3B085C9AB24}">
-                  <p16:designElem xmlns:p16="http://schemas.microsoft.com/office/powerpoint/2015/main" val="1"/>
-                </p:ext>
-              </p:extLst>
-            </p:nvPr>
-          </p:nvSpPr>
-          <p:spPr>
-            <a:xfrm>
-              <a:off x="0" y="823811"/>
-              <a:ext cx="87363" cy="673460"/>
-            </a:xfrm>
-            <a:prstGeom prst="rect">
-              <a:avLst/>
-            </a:prstGeom>
-            <a:solidFill>
-              <a:schemeClr val="accent4"/>
-            </a:solidFill>
-            <a:ln>
-              <a:noFill/>
-            </a:ln>
-          </p:spPr>
-          <p:style>
-            <a:lnRef idx="2">
-              <a:schemeClr val="accent1">
-                <a:shade val="50000"/>
-              </a:schemeClr>
-            </a:lnRef>
-            <a:fillRef idx="1">
-              <a:schemeClr val="accent1"/>
-            </a:fillRef>
-            <a:effectRef idx="0">
-              <a:schemeClr val="accent1"/>
-            </a:effectRef>
-            <a:fontRef idx="minor">
-              <a:schemeClr val="lt1"/>
-            </a:fontRef>
-          </p:style>
-          <p:txBody>
-            <a:bodyPr rtlCol="0" anchor="ctr"/>
-            <a:lstStyle/>
-            <a:p>
-              <a:pPr algn="ctr"/>
-              <a:endParaRPr lang="en-US"/>
-            </a:p>
-          </p:txBody>
-        </p:sp>
-        <p:sp>
-          <p:nvSpPr>
-            <p:cNvPr id="1034" name="Rectangle 142">
-              <a:extLst>
-                <a:ext uri="{FF2B5EF4-FFF2-40B4-BE49-F238E27FC236}">
-                  <a16:creationId xmlns:a16="http://schemas.microsoft.com/office/drawing/2014/main" id="{48F4FEDC-6D80-458C-A665-075D9B9500FD}"/>
-                </a:ext>
-                <a:ext uri="{C183D7F6-B498-43B3-948B-1728B52AA6E4}">
-                  <adec:decorative xmlns:adec="http://schemas.microsoft.com/office/drawing/2017/decorative" val="1"/>
-                </a:ext>
-              </a:extLst>
-            </p:cNvPr>
-            <p:cNvSpPr/>
-            <p:nvPr>
-              <p:extLst>
-                <p:ext uri="{386F3935-93C4-4BCD-93E2-E3B085C9AB24}">
-                  <p16:designElem xmlns:p16="http://schemas.microsoft.com/office/powerpoint/2015/main" val="1"/>
-                </p:ext>
-              </p:extLst>
-            </p:nvPr>
-          </p:nvSpPr>
-          <p:spPr>
-            <a:xfrm>
-              <a:off x="159341" y="823811"/>
-              <a:ext cx="195855" cy="673460"/>
-            </a:xfrm>
-            <a:prstGeom prst="rect">
-              <a:avLst/>
-            </a:prstGeom>
-            <a:solidFill>
-              <a:schemeClr val="accent4"/>
-            </a:solidFill>
-            <a:ln>
-              <a:noFill/>
-            </a:ln>
-          </p:spPr>
-          <p:style>
-            <a:lnRef idx="2">
-              <a:schemeClr val="accent1">
-                <a:shade val="50000"/>
-              </a:schemeClr>
-            </a:lnRef>
-            <a:fillRef idx="1">
-              <a:schemeClr val="accent1"/>
-            </a:fillRef>
-            <a:effectRef idx="0">
-              <a:schemeClr val="accent1"/>
-            </a:effectRef>
-            <a:fontRef idx="minor">
-              <a:schemeClr val="lt1"/>
-            </a:fontRef>
-          </p:style>
-          <p:txBody>
-            <a:bodyPr rtlCol="0" anchor="ctr"/>
-            <a:lstStyle/>
-            <a:p>
-              <a:pPr algn="ctr"/>
-              <a:endParaRPr lang="en-US"/>
-            </a:p>
-          </p:txBody>
-        </p:sp>
-      </p:grpSp>
-      <p:sp>
-        <p:nvSpPr>
-          <p:cNvPr id="145" name="Rectangle 144">
-            <a:extLst>
-              <a:ext uri="{FF2B5EF4-FFF2-40B4-BE49-F238E27FC236}">
-                <a16:creationId xmlns:a16="http://schemas.microsoft.com/office/drawing/2014/main" id="{3873B707-463F-40B0-8227-E8CC6C67EB25}"/>
-              </a:ext>
-              <a:ext uri="{C183D7F6-B498-43B3-948B-1728B52AA6E4}">
-                <adec:decorative xmlns:adec="http://schemas.microsoft.com/office/drawing/2017/decorative" val="1"/>
-              </a:ext>
-            </a:extLst>
-          </p:cNvPr>
-          <p:cNvSpPr>
-            <a:spLocks noGrp="1" noRot="1" noChangeAspect="1" noMove="1" noResize="1" noEditPoints="1" noAdjustHandles="1" noChangeArrowheads="1" noChangeShapeType="1" noTextEdit="1"/>
-          </p:cNvSpPr>
-          <p:nvPr>
-            <p:extLst>
-              <p:ext uri="{386F3935-93C4-4BCD-93E2-E3B085C9AB24}">
-                <p16:designElem xmlns:p16="http://schemas.microsoft.com/office/powerpoint/2015/main" val="1"/>
-              </p:ext>
-            </p:extLst>
-          </p:nvPr>
-        </p:nvSpPr>
-        <p:spPr>
-          <a:xfrm flipH="1">
-            <a:off x="665085" y="2123821"/>
-            <a:ext cx="4975066" cy="27432"/>
-          </a:xfrm>
-          <a:prstGeom prst="rect">
-            <a:avLst/>
-          </a:prstGeom>
-          <a:solidFill>
-            <a:schemeClr val="accent4"/>
-          </a:solidFill>
-          <a:ln>
-            <a:noFill/>
-          </a:ln>
-        </p:spPr>
-        <p:style>
-          <a:lnRef idx="2">
-            <a:schemeClr val="accent1">
-              <a:shade val="50000"/>
-            </a:schemeClr>
-          </a:lnRef>
-          <a:fillRef idx="1">
-            <a:schemeClr val="accent1"/>
-          </a:fillRef>
-          <a:effectRef idx="0">
-            <a:schemeClr val="accent1"/>
-          </a:effectRef>
-          <a:fontRef idx="minor">
-            <a:schemeClr val="lt1"/>
-          </a:fontRef>
-        </p:style>
-        <p:txBody>
-          <a:bodyPr rtlCol="0" anchor="ctr"/>
-          <a:lstStyle/>
-          <a:p>
-            <a:pPr algn="ctr"/>
-            <a:endParaRPr lang="en-US"/>
-          </a:p>
-        </p:txBody>
-      </p:sp>
-      <p:sp>
-        <p:nvSpPr>
-          <p:cNvPr id="1030" name="Content Placeholder 1029">
-            <a:extLst>
-              <a:ext uri="{FF2B5EF4-FFF2-40B4-BE49-F238E27FC236}">
-                <a16:creationId xmlns:a16="http://schemas.microsoft.com/office/drawing/2014/main" id="{042C81A2-DCB9-4E0A-8171-809FEA4DCBB1}"/>
+        <p:spPr/>
+        <p:txBody>
+          <a:bodyPr/>
+          <a:lstStyle/>
+          <a:p>
+            <a:r>
+              <a:rPr lang="en-US" dirty="0"/>
+              <a:t>Extension to Network flow model</a:t>
+            </a:r>
+            <a:endParaRPr lang="en-IN" dirty="0"/>
+          </a:p>
+        </p:txBody>
+      </p:sp>
+      <p:sp>
+        <p:nvSpPr>
+          <p:cNvPr id="3" name="Content Placeholder 2">
+            <a:extLst>
+              <a:ext uri="{FF2B5EF4-FFF2-40B4-BE49-F238E27FC236}">
+                <a16:creationId xmlns:a16="http://schemas.microsoft.com/office/drawing/2014/main" id="{63D878F8-28C9-41DA-A6AF-23F43A616238}"/>
               </a:ext>
             </a:extLst>
           </p:cNvPr>
@@ -4241,434 +3946,23 @@
             <p:ph idx="1"/>
           </p:nvPr>
         </p:nvSpPr>
-        <p:spPr>
-          <a:xfrm>
-            <a:off x="631787" y="2834863"/>
-            <a:ext cx="5278066" cy="3979585"/>
-          </a:xfrm>
-        </p:spPr>
-        <p:txBody>
-          <a:bodyPr anchor="ctr">
-            <a:normAutofit fontScale="92500" lnSpcReduction="10000"/>
-          </a:bodyPr>
-          <a:lstStyle/>
-          <a:p>
-            <a:r>
-              <a:rPr lang="en-US" sz="2000" dirty="0"/>
-              <a:t>Minimize cost such that:</a:t>
-            </a:r>
-          </a:p>
-          <a:p>
-            <a:pPr lvl="1"/>
-            <a:r>
-              <a:rPr lang="en-US" sz="2000" dirty="0"/>
-              <a:t>F11+F12+ … + F1n &lt;= S1</a:t>
-            </a:r>
-          </a:p>
-          <a:p>
-            <a:pPr lvl="1"/>
-            <a:r>
-              <a:rPr lang="en-US" sz="2000" dirty="0"/>
-              <a:t>F21+F22+ … + F2n &lt;= S2</a:t>
-            </a:r>
-          </a:p>
-          <a:p>
-            <a:pPr lvl="1"/>
-            <a:r>
-              <a:rPr lang="en-US" sz="2000" dirty="0"/>
-              <a:t>F31+F32+ … + F3n &lt;= S3</a:t>
-            </a:r>
-          </a:p>
-          <a:p>
-            <a:pPr lvl="1"/>
-            <a:r>
-              <a:rPr lang="en-US" sz="2000" dirty="0"/>
-              <a:t>Fm1+Fm2+ … + </a:t>
-            </a:r>
-            <a:r>
-              <a:rPr lang="en-US" sz="2000" dirty="0" err="1"/>
-              <a:t>Fmn</a:t>
-            </a:r>
-            <a:r>
-              <a:rPr lang="en-US" sz="2000" dirty="0"/>
-              <a:t> &lt;= </a:t>
-            </a:r>
-            <a:r>
-              <a:rPr lang="en-US" sz="2000" dirty="0" err="1"/>
-              <a:t>Sm</a:t>
-            </a:r>
-            <a:endParaRPr lang="en-US" sz="2000" dirty="0"/>
-          </a:p>
-          <a:p>
-            <a:pPr lvl="1"/>
-            <a:endParaRPr lang="en-US" sz="2000" dirty="0"/>
-          </a:p>
-          <a:p>
-            <a:pPr lvl="1"/>
-            <a:r>
-              <a:rPr lang="en-US" sz="2000" dirty="0"/>
-              <a:t>F11+F21+ … + Fn1 &gt;= D1</a:t>
-            </a:r>
-          </a:p>
-          <a:p>
-            <a:pPr lvl="1"/>
-            <a:r>
-              <a:rPr lang="en-US" sz="2000" dirty="0"/>
-              <a:t>F12+F22+ … + Fn2 &gt;= D2</a:t>
-            </a:r>
-          </a:p>
-          <a:p>
-            <a:pPr lvl="1"/>
-            <a:r>
-              <a:rPr lang="en-US" sz="2000" dirty="0"/>
-              <a:t>F13+F23+ … + Fn3 &gt;= D3</a:t>
-            </a:r>
-          </a:p>
-          <a:p>
-            <a:pPr lvl="1"/>
-            <a:r>
-              <a:rPr lang="en-US" sz="2000" dirty="0"/>
-              <a:t>F1m+F2m+ … + </a:t>
-            </a:r>
-            <a:r>
-              <a:rPr lang="en-US" sz="2000" dirty="0" err="1"/>
-              <a:t>Fnm</a:t>
-            </a:r>
-            <a:r>
-              <a:rPr lang="en-US" sz="2000" dirty="0"/>
-              <a:t> &gt;= Dm</a:t>
-            </a:r>
-          </a:p>
-          <a:p>
-            <a:pPr lvl="1"/>
-            <a:endParaRPr lang="en-US" sz="2000" dirty="0"/>
-          </a:p>
-          <a:p>
-            <a:pPr lvl="1"/>
-            <a:r>
-              <a:rPr lang="en-US" sz="1600" dirty="0">
-                <a:hlinkClick r:id="rId2"/>
-              </a:rPr>
-              <a:t>Module 4: Transportation Problem (acsce.edu.in)</a:t>
-            </a:r>
-            <a:endParaRPr lang="en-US" sz="1600" dirty="0"/>
-          </a:p>
-          <a:p>
-            <a:pPr lvl="1"/>
-            <a:r>
-              <a:rPr lang="en-US" sz="1600" dirty="0">
-                <a:hlinkClick r:id="rId3"/>
-              </a:rPr>
-              <a:t>Operations Research with R — Transportation Problem | by Roberto Salazar | Towards Data Science</a:t>
-            </a:r>
-            <a:endParaRPr lang="en-US" sz="2000" dirty="0"/>
-          </a:p>
-          <a:p>
-            <a:endParaRPr lang="en-US" sz="2000" dirty="0"/>
-          </a:p>
-          <a:p>
-            <a:pPr lvl="1"/>
-            <a:endParaRPr lang="en-US" sz="2000" dirty="0"/>
-          </a:p>
-        </p:txBody>
-      </p:sp>
-      <p:sp>
-        <p:nvSpPr>
-          <p:cNvPr id="147" name="Rectangle 146">
-            <a:extLst>
-              <a:ext uri="{FF2B5EF4-FFF2-40B4-BE49-F238E27FC236}">
-                <a16:creationId xmlns:a16="http://schemas.microsoft.com/office/drawing/2014/main" id="{C13237C8-E62C-4F0D-A318-BD6FB6C2D138}"/>
-              </a:ext>
-              <a:ext uri="{C183D7F6-B498-43B3-948B-1728B52AA6E4}">
-                <adec:decorative xmlns:adec="http://schemas.microsoft.com/office/drawing/2017/decorative" val="1"/>
-              </a:ext>
-            </a:extLst>
-          </p:cNvPr>
-          <p:cNvSpPr>
-            <a:spLocks noGrp="1" noRot="1" noChangeAspect="1" noMove="1" noResize="1" noEditPoints="1" noAdjustHandles="1" noChangeArrowheads="1" noChangeShapeType="1" noTextEdit="1"/>
-          </p:cNvSpPr>
-          <p:nvPr>
-            <p:extLst>
-              <p:ext uri="{386F3935-93C4-4BCD-93E2-E3B085C9AB24}">
-                <p16:designElem xmlns:p16="http://schemas.microsoft.com/office/powerpoint/2015/main" val="1"/>
-              </p:ext>
-            </p:extLst>
-          </p:nvPr>
-        </p:nvSpPr>
-        <p:spPr>
-          <a:xfrm flipH="1">
-            <a:off x="10697670" y="0"/>
-            <a:ext cx="1494330" cy="6858000"/>
-          </a:xfrm>
-          <a:prstGeom prst="rect">
-            <a:avLst/>
-          </a:prstGeom>
-          <a:solidFill>
-            <a:schemeClr val="accent4"/>
-          </a:solidFill>
-          <a:ln>
-            <a:noFill/>
-          </a:ln>
-        </p:spPr>
-        <p:style>
-          <a:lnRef idx="2">
-            <a:schemeClr val="accent1">
-              <a:shade val="50000"/>
-            </a:schemeClr>
-          </a:lnRef>
-          <a:fillRef idx="1">
-            <a:schemeClr val="accent1"/>
-          </a:fillRef>
-          <a:effectRef idx="0">
-            <a:schemeClr val="accent1"/>
-          </a:effectRef>
-          <a:fontRef idx="minor">
-            <a:schemeClr val="lt1"/>
-          </a:fontRef>
-        </p:style>
-        <p:txBody>
-          <a:bodyPr rtlCol="0" anchor="ctr"/>
-          <a:lstStyle/>
-          <a:p>
-            <a:pPr algn="ctr"/>
-            <a:endParaRPr lang="en-US"/>
-          </a:p>
-        </p:txBody>
-      </p:sp>
-      <p:sp>
-        <p:nvSpPr>
-          <p:cNvPr id="149" name="Rectangle 148">
-            <a:extLst>
-              <a:ext uri="{FF2B5EF4-FFF2-40B4-BE49-F238E27FC236}">
-                <a16:creationId xmlns:a16="http://schemas.microsoft.com/office/drawing/2014/main" id="{19C9EAEA-39D0-4B0E-A0EB-51E7B26740B1}"/>
-              </a:ext>
-              <a:ext uri="{C183D7F6-B498-43B3-948B-1728B52AA6E4}">
-                <adec:decorative xmlns:adec="http://schemas.microsoft.com/office/drawing/2017/decorative" val="1"/>
-              </a:ext>
-            </a:extLst>
-          </p:cNvPr>
-          <p:cNvSpPr>
-            <a:spLocks noGrp="1" noRot="1" noChangeAspect="1" noMove="1" noResize="1" noEditPoints="1" noAdjustHandles="1" noChangeArrowheads="1" noChangeShapeType="1" noTextEdit="1"/>
-          </p:cNvSpPr>
-          <p:nvPr>
-            <p:extLst>
-              <p:ext uri="{386F3935-93C4-4BCD-93E2-E3B085C9AB24}">
-                <p16:designElem xmlns:p16="http://schemas.microsoft.com/office/powerpoint/2015/main" val="1"/>
-              </p:ext>
-            </p:extLst>
-          </p:nvPr>
-        </p:nvSpPr>
-        <p:spPr>
-          <a:xfrm>
-            <a:off x="6849687" y="357447"/>
-            <a:ext cx="4845488" cy="2923587"/>
-          </a:xfrm>
-          <a:prstGeom prst="rect">
-            <a:avLst/>
-          </a:prstGeom>
-          <a:solidFill>
-            <a:schemeClr val="bg1"/>
-          </a:solidFill>
-          <a:ln>
-            <a:noFill/>
-          </a:ln>
-          <a:effectLst>
-            <a:outerShdw blurRad="139700" dist="127000" dir="5400000" algn="t" rotWithShape="0">
-              <a:prstClr val="black">
-                <a:alpha val="15000"/>
-              </a:prstClr>
-            </a:outerShdw>
-          </a:effectLst>
-        </p:spPr>
-        <p:style>
-          <a:lnRef idx="2">
-            <a:schemeClr val="accent1">
-              <a:shade val="50000"/>
-            </a:schemeClr>
-          </a:lnRef>
-          <a:fillRef idx="1">
-            <a:schemeClr val="accent1"/>
-          </a:fillRef>
-          <a:effectRef idx="0">
-            <a:schemeClr val="accent1"/>
-          </a:effectRef>
-          <a:fontRef idx="minor">
-            <a:schemeClr val="lt1"/>
-          </a:fontRef>
-        </p:style>
-        <p:txBody>
-          <a:bodyPr rtlCol="0" anchor="ctr"/>
-          <a:lstStyle/>
-          <a:p>
-            <a:pPr algn="ctr"/>
-            <a:endParaRPr lang="en-US"/>
-          </a:p>
-        </p:txBody>
-      </p:sp>
-      <p:pic>
-        <p:nvPicPr>
-          <p:cNvPr id="1028" name="Picture 4">
-            <a:extLst>
-              <a:ext uri="{FF2B5EF4-FFF2-40B4-BE49-F238E27FC236}">
-                <a16:creationId xmlns:a16="http://schemas.microsoft.com/office/drawing/2014/main" id="{39E2ED04-A7CB-4EC8-9A0C-5E8B325B4D0E}"/>
-              </a:ext>
-            </a:extLst>
-          </p:cNvPr>
-          <p:cNvPicPr>
-            <a:picLocks noChangeAspect="1" noChangeArrowheads="1"/>
-          </p:cNvPicPr>
-          <p:nvPr/>
-        </p:nvPicPr>
-        <p:blipFill rotWithShape="1">
-          <a:blip r:embed="rId4">
-            <a:extLst>
-              <a:ext uri="{28A0092B-C50C-407E-A947-70E740481C1C}">
-                <a14:useLocalDpi xmlns:a14="http://schemas.microsoft.com/office/drawing/2010/main" val="0"/>
-              </a:ext>
-            </a:extLst>
-          </a:blip>
-          <a:srcRect l="16312" r="20835" b="-2"/>
-          <a:stretch/>
-        </p:blipFill>
-        <p:spPr bwMode="auto">
-          <a:xfrm>
-            <a:off x="7083423" y="581892"/>
-            <a:ext cx="4397433" cy="2518756"/>
-          </a:xfrm>
-          <a:prstGeom prst="rect">
-            <a:avLst/>
-          </a:prstGeom>
-          <a:noFill/>
-          <a:extLst>
-            <a:ext uri="{909E8E84-426E-40DD-AFC4-6F175D3DCCD1}">
-              <a14:hiddenFill xmlns:a14="http://schemas.microsoft.com/office/drawing/2010/main">
-                <a:solidFill>
-                  <a:srgbClr val="FFFFFF"/>
-                </a:solidFill>
-              </a14:hiddenFill>
-            </a:ext>
-          </a:extLst>
-        </p:spPr>
-      </p:pic>
-      <p:sp>
-        <p:nvSpPr>
-          <p:cNvPr id="151" name="Rectangle 150">
-            <a:extLst>
-              <a:ext uri="{FF2B5EF4-FFF2-40B4-BE49-F238E27FC236}">
-                <a16:creationId xmlns:a16="http://schemas.microsoft.com/office/drawing/2014/main" id="{8CB5D2D7-DF65-4E86-BFBA-FFB9B5ACEB64}"/>
-              </a:ext>
-              <a:ext uri="{C183D7F6-B498-43B3-948B-1728B52AA6E4}">
-                <adec:decorative xmlns:adec="http://schemas.microsoft.com/office/drawing/2017/decorative" val="1"/>
-              </a:ext>
-            </a:extLst>
-          </p:cNvPr>
-          <p:cNvSpPr>
-            <a:spLocks noGrp="1" noRot="1" noChangeAspect="1" noMove="1" noResize="1" noEditPoints="1" noAdjustHandles="1" noChangeArrowheads="1" noChangeShapeType="1" noTextEdit="1"/>
-          </p:cNvSpPr>
-          <p:nvPr>
-            <p:extLst>
-              <p:ext uri="{386F3935-93C4-4BCD-93E2-E3B085C9AB24}">
-                <p16:designElem xmlns:p16="http://schemas.microsoft.com/office/powerpoint/2015/main" val="1"/>
-              </p:ext>
-            </p:extLst>
-          </p:nvPr>
-        </p:nvSpPr>
-        <p:spPr>
-          <a:xfrm>
-            <a:off x="6849687" y="3505479"/>
-            <a:ext cx="4845488" cy="2923587"/>
-          </a:xfrm>
-          <a:prstGeom prst="rect">
-            <a:avLst/>
-          </a:prstGeom>
-          <a:solidFill>
-            <a:schemeClr val="bg1"/>
-          </a:solidFill>
-          <a:ln>
-            <a:noFill/>
-          </a:ln>
-          <a:effectLst>
-            <a:outerShdw blurRad="139700" dist="127000" dir="5400000" algn="t" rotWithShape="0">
-              <a:prstClr val="black">
-                <a:alpha val="15000"/>
-              </a:prstClr>
-            </a:outerShdw>
-          </a:effectLst>
-        </p:spPr>
-        <p:style>
-          <a:lnRef idx="2">
-            <a:schemeClr val="accent1">
-              <a:shade val="50000"/>
-            </a:schemeClr>
-          </a:lnRef>
-          <a:fillRef idx="1">
-            <a:schemeClr val="accent1"/>
-          </a:fillRef>
-          <a:effectRef idx="0">
-            <a:schemeClr val="accent1"/>
-          </a:effectRef>
-          <a:fontRef idx="minor">
-            <a:schemeClr val="lt1"/>
-          </a:fontRef>
-        </p:style>
-        <p:txBody>
-          <a:bodyPr rtlCol="0" anchor="ctr"/>
-          <a:lstStyle/>
-          <a:p>
-            <a:pPr algn="ctr"/>
-            <a:endParaRPr lang="en-US"/>
-          </a:p>
-        </p:txBody>
-      </p:sp>
-      <p:pic>
-        <p:nvPicPr>
-          <p:cNvPr id="1026" name="Picture 2">
-            <a:extLst>
-              <a:ext uri="{FF2B5EF4-FFF2-40B4-BE49-F238E27FC236}">
-                <a16:creationId xmlns:a16="http://schemas.microsoft.com/office/drawing/2014/main" id="{5E3F30FA-F73C-46F0-A60F-CBB8A0FB3307}"/>
-              </a:ext>
-            </a:extLst>
-          </p:cNvPr>
-          <p:cNvPicPr>
-            <a:picLocks noChangeAspect="1" noChangeArrowheads="1"/>
-          </p:cNvPicPr>
-          <p:nvPr/>
-        </p:nvPicPr>
-        <p:blipFill rotWithShape="1">
-          <a:blip r:embed="rId5">
-            <a:extLst>
-              <a:ext uri="{28A0092B-C50C-407E-A947-70E740481C1C}">
-                <a14:useLocalDpi xmlns:a14="http://schemas.microsoft.com/office/drawing/2010/main" val="0"/>
-              </a:ext>
-            </a:extLst>
-          </a:blip>
-          <a:srcRect t="6810" r="4" b="12601"/>
-          <a:stretch/>
-        </p:blipFill>
-        <p:spPr bwMode="auto">
-          <a:xfrm>
-            <a:off x="7083423" y="3707894"/>
-            <a:ext cx="4395569" cy="2518756"/>
-          </a:xfrm>
-          <a:prstGeom prst="rect">
-            <a:avLst/>
-          </a:prstGeom>
-          <a:noFill/>
-          <a:extLst>
-            <a:ext uri="{909E8E84-426E-40DD-AFC4-6F175D3DCCD1}">
-              <a14:hiddenFill xmlns:a14="http://schemas.microsoft.com/office/drawing/2010/main">
-                <a:solidFill>
-                  <a:srgbClr val="FFFFFF"/>
-                </a:solidFill>
-              </a14:hiddenFill>
-            </a:ext>
-          </a:extLst>
-        </p:spPr>
-      </p:pic>
+        <p:spPr/>
+        <p:txBody>
+          <a:bodyPr/>
+          <a:lstStyle/>
+          <a:p>
+            <a:r>
+              <a:rPr lang="en-US" dirty="0"/>
+              <a:t>Think</a:t>
+            </a:r>
+            <a:endParaRPr lang="en-IN" dirty="0"/>
+          </a:p>
+        </p:txBody>
+      </p:sp>
     </p:spTree>
     <p:extLst>
       <p:ext uri="{BB962C8B-B14F-4D97-AF65-F5344CB8AC3E}">
-        <p14:creationId xmlns:p14="http://schemas.microsoft.com/office/powerpoint/2010/main" val="1315198072"/>
+        <p14:creationId xmlns:p14="http://schemas.microsoft.com/office/powerpoint/2010/main" val="821597007"/>
       </p:ext>
     </p:extLst>
   </p:cSld>
@@ -4838,357 +4132,6 @@
 </p:sld>
 </file>
 
-<file path=ppt/slides/slide12.xml><?xml version="1.0" encoding="utf-8"?>
-<p:sld xmlns:a="http://schemas.openxmlformats.org/drawingml/2006/main" xmlns:r="http://schemas.openxmlformats.org/officeDocument/2006/relationships" xmlns:p="http://schemas.openxmlformats.org/presentationml/2006/main">
-  <p:cSld>
-    <p:spTree>
-      <p:nvGrpSpPr>
-        <p:cNvPr id="1" name=""/>
-        <p:cNvGrpSpPr/>
-        <p:nvPr/>
-      </p:nvGrpSpPr>
-      <p:grpSpPr>
-        <a:xfrm>
-          <a:off x="0" y="0"/>
-          <a:ext cx="0" cy="0"/>
-          <a:chOff x="0" y="0"/>
-          <a:chExt cx="0" cy="0"/>
-        </a:xfrm>
-      </p:grpSpPr>
-      <p:sp>
-        <p:nvSpPr>
-          <p:cNvPr id="2" name="Title 1">
-            <a:extLst>
-              <a:ext uri="{FF2B5EF4-FFF2-40B4-BE49-F238E27FC236}">
-                <a16:creationId xmlns:a16="http://schemas.microsoft.com/office/drawing/2014/main" id="{191135F9-22B6-403D-B5FE-45ABACE70DD4}"/>
-              </a:ext>
-            </a:extLst>
-          </p:cNvPr>
-          <p:cNvSpPr>
-            <a:spLocks noGrp="1"/>
-          </p:cNvSpPr>
-          <p:nvPr>
-            <p:ph type="title"/>
-          </p:nvPr>
-        </p:nvSpPr>
-        <p:spPr/>
-        <p:txBody>
-          <a:bodyPr/>
-          <a:lstStyle/>
-          <a:p>
-            <a:r>
-              <a:rPr lang="en-US" dirty="0"/>
-              <a:t>How to solve?</a:t>
-            </a:r>
-            <a:endParaRPr lang="en-IN" dirty="0"/>
-          </a:p>
-        </p:txBody>
-      </p:sp>
-      <p:sp>
-        <p:nvSpPr>
-          <p:cNvPr id="3" name="Content Placeholder 2">
-            <a:extLst>
-              <a:ext uri="{FF2B5EF4-FFF2-40B4-BE49-F238E27FC236}">
-                <a16:creationId xmlns:a16="http://schemas.microsoft.com/office/drawing/2014/main" id="{EB203D79-423E-467A-9086-44FB0703E6B8}"/>
-              </a:ext>
-            </a:extLst>
-          </p:cNvPr>
-          <p:cNvSpPr>
-            <a:spLocks noGrp="1"/>
-          </p:cNvSpPr>
-          <p:nvPr>
-            <p:ph idx="1"/>
-          </p:nvPr>
-        </p:nvSpPr>
-        <p:spPr/>
-        <p:txBody>
-          <a:bodyPr/>
-          <a:lstStyle/>
-          <a:p>
-            <a:r>
-              <a:rPr lang="en-US" dirty="0"/>
-              <a:t>Linear Programming:</a:t>
-            </a:r>
-          </a:p>
-          <a:p>
-            <a:pPr lvl="1"/>
-            <a:r>
-              <a:rPr lang="en-US" dirty="0" err="1"/>
-              <a:t>NorthWest</a:t>
-            </a:r>
-            <a:r>
-              <a:rPr lang="en-US" dirty="0"/>
-              <a:t> Corner Cell Method.</a:t>
-            </a:r>
-          </a:p>
-          <a:p>
-            <a:pPr lvl="1"/>
-            <a:r>
-              <a:rPr lang="en-US" dirty="0"/>
-              <a:t>Least Call Cell Method.</a:t>
-            </a:r>
-          </a:p>
-          <a:p>
-            <a:pPr lvl="1"/>
-            <a:r>
-              <a:rPr lang="en-US" dirty="0"/>
-              <a:t>Vogel’s Approximation Method (VAM).</a:t>
-            </a:r>
-            <a:endParaRPr lang="en-IN" dirty="0"/>
-          </a:p>
-        </p:txBody>
-      </p:sp>
-    </p:spTree>
-    <p:extLst>
-      <p:ext uri="{BB962C8B-B14F-4D97-AF65-F5344CB8AC3E}">
-        <p14:creationId xmlns:p14="http://schemas.microsoft.com/office/powerpoint/2010/main" val="502867016"/>
-      </p:ext>
-    </p:extLst>
-  </p:cSld>
-  <p:clrMapOvr>
-    <a:masterClrMapping/>
-  </p:clrMapOvr>
-</p:sld>
-</file>
-
-<file path=ppt/slides/slide13.xml><?xml version="1.0" encoding="utf-8"?>
-<p:sld xmlns:a="http://schemas.openxmlformats.org/drawingml/2006/main" xmlns:r="http://schemas.openxmlformats.org/officeDocument/2006/relationships" xmlns:p="http://schemas.openxmlformats.org/presentationml/2006/main">
-  <p:cSld>
-    <p:spTree>
-      <p:nvGrpSpPr>
-        <p:cNvPr id="1" name=""/>
-        <p:cNvGrpSpPr/>
-        <p:nvPr/>
-      </p:nvGrpSpPr>
-      <p:grpSpPr>
-        <a:xfrm>
-          <a:off x="0" y="0"/>
-          <a:ext cx="0" cy="0"/>
-          <a:chOff x="0" y="0"/>
-          <a:chExt cx="0" cy="0"/>
-        </a:xfrm>
-      </p:grpSpPr>
-      <p:sp>
-        <p:nvSpPr>
-          <p:cNvPr id="2" name="Title 1">
-            <a:extLst>
-              <a:ext uri="{FF2B5EF4-FFF2-40B4-BE49-F238E27FC236}">
-                <a16:creationId xmlns:a16="http://schemas.microsoft.com/office/drawing/2014/main" id="{18FD25E7-6CCF-454F-B89A-83485D3CAC30}"/>
-              </a:ext>
-            </a:extLst>
-          </p:cNvPr>
-          <p:cNvSpPr>
-            <a:spLocks noGrp="1"/>
-          </p:cNvSpPr>
-          <p:nvPr>
-            <p:ph type="title"/>
-          </p:nvPr>
-        </p:nvSpPr>
-        <p:spPr/>
-        <p:txBody>
-          <a:bodyPr/>
-          <a:lstStyle/>
-          <a:p>
-            <a:r>
-              <a:rPr lang="en-IN" dirty="0"/>
-              <a:t>Code</a:t>
-            </a:r>
-          </a:p>
-        </p:txBody>
-      </p:sp>
-      <p:sp>
-        <p:nvSpPr>
-          <p:cNvPr id="3" name="Content Placeholder 2">
-            <a:extLst>
-              <a:ext uri="{FF2B5EF4-FFF2-40B4-BE49-F238E27FC236}">
-                <a16:creationId xmlns:a16="http://schemas.microsoft.com/office/drawing/2014/main" id="{D1D01C95-CE24-4A2E-8363-A38C5FE7DC1B}"/>
-              </a:ext>
-            </a:extLst>
-          </p:cNvPr>
-          <p:cNvSpPr>
-            <a:spLocks noGrp="1"/>
-          </p:cNvSpPr>
-          <p:nvPr>
-            <p:ph idx="1"/>
-          </p:nvPr>
-        </p:nvSpPr>
-        <p:spPr/>
-        <p:txBody>
-          <a:bodyPr/>
-          <a:lstStyle/>
-          <a:p>
-            <a:pPr marL="514350" indent="-514350">
-              <a:buFont typeface="+mj-lt"/>
-              <a:buAutoNum type="arabicPeriod"/>
-            </a:pPr>
-            <a:r>
-              <a:rPr lang="en-IN" dirty="0"/>
-              <a:t>[DONE]Randomly create data with required conditions – select a state, select randomly some cities as source with total sum equal to given sum, give random requirement to all districts, get distance between all sources and sinks</a:t>
-            </a:r>
-          </a:p>
-          <a:p>
-            <a:pPr marL="514350" indent="-514350">
-              <a:buFont typeface="+mj-lt"/>
-              <a:buAutoNum type="arabicPeriod"/>
-            </a:pPr>
-            <a:r>
-              <a:rPr lang="en-IN" dirty="0"/>
-              <a:t>Model the data:</a:t>
-            </a:r>
-          </a:p>
-          <a:p>
-            <a:pPr marL="971550" lvl="1" indent="-514350">
-              <a:buFont typeface="+mj-lt"/>
-              <a:buAutoNum type="arabicPeriod"/>
-            </a:pPr>
-            <a:r>
-              <a:rPr lang="en-IN" dirty="0"/>
-              <a:t>Network model</a:t>
-            </a:r>
-          </a:p>
-          <a:p>
-            <a:pPr marL="971550" lvl="1" indent="-514350">
-              <a:buFont typeface="+mj-lt"/>
-              <a:buAutoNum type="arabicPeriod"/>
-            </a:pPr>
-            <a:endParaRPr lang="en-IN" dirty="0"/>
-          </a:p>
-          <a:p>
-            <a:pPr marL="514350" indent="-514350">
-              <a:buFont typeface="+mj-lt"/>
-              <a:buAutoNum type="arabicPeriod"/>
-            </a:pPr>
-            <a:r>
-              <a:rPr lang="en-IN" dirty="0"/>
-              <a:t>Write Algorithm</a:t>
-            </a:r>
-          </a:p>
-          <a:p>
-            <a:pPr marL="514350" indent="-514350">
-              <a:buFont typeface="+mj-lt"/>
-              <a:buAutoNum type="arabicPeriod"/>
-            </a:pPr>
-            <a:r>
-              <a:rPr lang="en-IN" dirty="0"/>
-              <a:t>Optimize it</a:t>
-            </a:r>
-          </a:p>
-          <a:p>
-            <a:pPr marL="514350" indent="-514350">
-              <a:buFont typeface="+mj-lt"/>
-              <a:buAutoNum type="arabicPeriod"/>
-            </a:pPr>
-            <a:endParaRPr lang="en-IN" dirty="0"/>
-          </a:p>
-          <a:p>
-            <a:pPr marL="514350" indent="-514350">
-              <a:buFont typeface="+mj-lt"/>
-              <a:buAutoNum type="arabicPeriod"/>
-            </a:pPr>
-            <a:endParaRPr lang="en-IN" dirty="0"/>
-          </a:p>
-        </p:txBody>
-      </p:sp>
-    </p:spTree>
-    <p:extLst>
-      <p:ext uri="{BB962C8B-B14F-4D97-AF65-F5344CB8AC3E}">
-        <p14:creationId xmlns:p14="http://schemas.microsoft.com/office/powerpoint/2010/main" val="1514693873"/>
-      </p:ext>
-    </p:extLst>
-  </p:cSld>
-  <p:clrMapOvr>
-    <a:masterClrMapping/>
-  </p:clrMapOvr>
-</p:sld>
-</file>
-
-<file path=ppt/slides/slide14.xml><?xml version="1.0" encoding="utf-8"?>
-<p:sld xmlns:a="http://schemas.openxmlformats.org/drawingml/2006/main" xmlns:r="http://schemas.openxmlformats.org/officeDocument/2006/relationships" xmlns:p="http://schemas.openxmlformats.org/presentationml/2006/main">
-  <p:cSld>
-    <p:spTree>
-      <p:nvGrpSpPr>
-        <p:cNvPr id="1" name=""/>
-        <p:cNvGrpSpPr/>
-        <p:nvPr/>
-      </p:nvGrpSpPr>
-      <p:grpSpPr>
-        <a:xfrm>
-          <a:off x="0" y="0"/>
-          <a:ext cx="0" cy="0"/>
-          <a:chOff x="0" y="0"/>
-          <a:chExt cx="0" cy="0"/>
-        </a:xfrm>
-      </p:grpSpPr>
-      <p:sp>
-        <p:nvSpPr>
-          <p:cNvPr id="2" name="Title 1">
-            <a:extLst>
-              <a:ext uri="{FF2B5EF4-FFF2-40B4-BE49-F238E27FC236}">
-                <a16:creationId xmlns:a16="http://schemas.microsoft.com/office/drawing/2014/main" id="{FFF958C9-7E2C-4840-B0A1-691DE52D960D}"/>
-              </a:ext>
-            </a:extLst>
-          </p:cNvPr>
-          <p:cNvSpPr>
-            <a:spLocks noGrp="1"/>
-          </p:cNvSpPr>
-          <p:nvPr>
-            <p:ph type="title"/>
-          </p:nvPr>
-        </p:nvSpPr>
-        <p:spPr/>
-        <p:txBody>
-          <a:bodyPr/>
-          <a:lstStyle/>
-          <a:p>
-            <a:r>
-              <a:rPr lang="en-IN" dirty="0"/>
-              <a:t>What is Simplex algorithm</a:t>
-            </a:r>
-          </a:p>
-        </p:txBody>
-      </p:sp>
-      <p:sp>
-        <p:nvSpPr>
-          <p:cNvPr id="3" name="Content Placeholder 2">
-            <a:extLst>
-              <a:ext uri="{FF2B5EF4-FFF2-40B4-BE49-F238E27FC236}">
-                <a16:creationId xmlns:a16="http://schemas.microsoft.com/office/drawing/2014/main" id="{7B50F613-35CB-4850-BE18-DE82160F6CA3}"/>
-              </a:ext>
-            </a:extLst>
-          </p:cNvPr>
-          <p:cNvSpPr>
-            <a:spLocks noGrp="1"/>
-          </p:cNvSpPr>
-          <p:nvPr>
-            <p:ph idx="1"/>
-          </p:nvPr>
-        </p:nvSpPr>
-        <p:spPr/>
-        <p:txBody>
-          <a:bodyPr/>
-          <a:lstStyle/>
-          <a:p>
-            <a:r>
-              <a:rPr lang="en-US"/>
-              <a:t> </a:t>
-            </a:r>
-            <a:endParaRPr lang="en-IN"/>
-          </a:p>
-        </p:txBody>
-      </p:sp>
-    </p:spTree>
-    <p:extLst>
-      <p:ext uri="{BB962C8B-B14F-4D97-AF65-F5344CB8AC3E}">
-        <p14:creationId xmlns:p14="http://schemas.microsoft.com/office/powerpoint/2010/main" val="187206986"/>
-      </p:ext>
-    </p:extLst>
-  </p:cSld>
-  <p:clrMapOvr>
-    <a:masterClrMapping/>
-  </p:clrMapOvr>
-</p:sld>
-</file>
-
 <file path=ppt/slides/slide2.xml><?xml version="1.0" encoding="utf-8"?>
 <p:sld xmlns:a="http://schemas.openxmlformats.org/drawingml/2006/main" xmlns:r="http://schemas.openxmlformats.org/officeDocument/2006/relationships" xmlns:p="http://schemas.openxmlformats.org/presentationml/2006/main">
   <p:cSld>
@@ -5259,11 +4202,41 @@
           <a:p>
             <a:pPr>
               <a:buFont typeface="Wingdings" panose="05000000000000000000" pitchFamily="2" charset="2"/>
-              <a:buChar char="q"/>
+              <a:buChar char="ü"/>
             </a:pPr>
             <a:r>
               <a:rPr lang="en-IN" dirty="0"/>
-              <a:t>Non linear Programming</a:t>
+              <a:t> Non linear Programming?</a:t>
+            </a:r>
+          </a:p>
+          <a:p>
+            <a:pPr>
+              <a:buFont typeface="Wingdings" panose="05000000000000000000" pitchFamily="2" charset="2"/>
+              <a:buChar char="ü"/>
+            </a:pPr>
+            <a:r>
+              <a:rPr lang="en-IN" dirty="0"/>
+              <a:t> What is Simplex algorithm? Modelling the graph</a:t>
+            </a:r>
+          </a:p>
+          <a:p>
+            <a:pPr>
+              <a:buFont typeface="Wingdings" panose="05000000000000000000" pitchFamily="2" charset="2"/>
+              <a:buChar char="ü"/>
+            </a:pPr>
+            <a:r>
+              <a:rPr lang="en-IN" dirty="0"/>
+              <a:t> What is network simplex algorithm</a:t>
+            </a:r>
+          </a:p>
+          <a:p>
+            <a:pPr>
+              <a:buFont typeface="Wingdings" panose="05000000000000000000" pitchFamily="2" charset="2"/>
+              <a:buChar char="ü"/>
+            </a:pPr>
+            <a:r>
+              <a:rPr lang="en-IN" dirty="0"/>
+              <a:t> Analysing those algorithms</a:t>
             </a:r>
           </a:p>
           <a:p>
@@ -5273,7 +4246,7 @@
             </a:pPr>
             <a:r>
               <a:rPr lang="en-IN" dirty="0"/>
-              <a:t>What is Simplex algorithm? Modelling the graph</a:t>
+              <a:t> Start coding of a model – network flow algorithm</a:t>
             </a:r>
           </a:p>
           <a:p>
@@ -5283,7 +4256,7 @@
             </a:pPr>
             <a:r>
               <a:rPr lang="en-IN" dirty="0"/>
-              <a:t>Analysing those algorithms</a:t>
+              <a:t> Design own algorithm inspired by linear programming</a:t>
             </a:r>
           </a:p>
           <a:p>
@@ -5293,17 +4266,7 @@
             </a:pPr>
             <a:r>
               <a:rPr lang="en-IN" dirty="0"/>
-              <a:t>Start coding of a model – network flow algorithm</a:t>
-            </a:r>
-          </a:p>
-          <a:p>
-            <a:pPr>
-              <a:buFont typeface="Wingdings" panose="05000000000000000000" pitchFamily="2" charset="2"/>
-              <a:buChar char="q"/>
-            </a:pPr>
-            <a:r>
-              <a:rPr lang="en-IN" dirty="0"/>
-              <a:t>Design own algorithm inspired by linear programming</a:t>
+              <a:t> Parallelize the algorithm</a:t>
             </a:r>
           </a:p>
         </p:txBody>
@@ -5343,7 +4306,7 @@
           <p:cNvPr id="2" name="Title 1">
             <a:extLst>
               <a:ext uri="{FF2B5EF4-FFF2-40B4-BE49-F238E27FC236}">
-                <a16:creationId xmlns:a16="http://schemas.microsoft.com/office/drawing/2014/main" id="{255010D6-EF43-411F-A778-681052265227}"/>
+                <a16:creationId xmlns:a16="http://schemas.microsoft.com/office/drawing/2014/main" id="{E751A659-FF30-4F83-8AD1-498F1985955C}"/>
               </a:ext>
             </a:extLst>
           </p:cNvPr>
@@ -5360,9 +4323,10 @@
           <a:lstStyle/>
           <a:p>
             <a:r>
-              <a:rPr lang="en-IN" dirty="0"/>
-              <a:t>What is Non Linear Programming</a:t>
-            </a:r>
+              <a:rPr lang="en-US" dirty="0"/>
+              <a:t>Why non-linear?</a:t>
+            </a:r>
+            <a:endParaRPr lang="en-IN" dirty="0"/>
           </a:p>
         </p:txBody>
       </p:sp>
@@ -5371,7 +4335,7 @@
           <p:cNvPr id="3" name="Content Placeholder 2">
             <a:extLst>
               <a:ext uri="{FF2B5EF4-FFF2-40B4-BE49-F238E27FC236}">
-                <a16:creationId xmlns:a16="http://schemas.microsoft.com/office/drawing/2014/main" id="{5EF2BD96-7880-4BD8-B857-3D7578C304CD}"/>
+                <a16:creationId xmlns:a16="http://schemas.microsoft.com/office/drawing/2014/main" id="{C96BE215-2B42-4C29-B159-B284158556F3}"/>
               </a:ext>
             </a:extLst>
           </p:cNvPr>
@@ -5388,75 +4352,26 @@
           <a:lstStyle/>
           <a:p>
             <a:r>
-              <a:rPr lang="en-IN" dirty="0"/>
-              <a:t>Maximize f(x1,x2,…,</a:t>
-            </a:r>
-            <a:r>
-              <a:rPr lang="en-IN" dirty="0" err="1"/>
-              <a:t>xn</a:t>
-            </a:r>
-            <a:r>
-              <a:rPr lang="en-IN" dirty="0"/>
-              <a:t>) subject to :</a:t>
-            </a:r>
-          </a:p>
-          <a:p>
-            <a:pPr lvl="1"/>
-            <a:r>
-              <a:rPr lang="en-IN" dirty="0"/>
-              <a:t>G1(x1,x2,..,xn)&lt;b1</a:t>
-            </a:r>
-          </a:p>
-          <a:p>
-            <a:pPr lvl="1"/>
-            <a:r>
-              <a:rPr lang="en-IN" dirty="0"/>
-              <a:t>G2(x1,x2,..,xn)&lt;b2</a:t>
-            </a:r>
-          </a:p>
-          <a:p>
-            <a:pPr lvl="1"/>
-            <a:r>
-              <a:rPr lang="en-IN" dirty="0"/>
-              <a:t>.</a:t>
-            </a:r>
-          </a:p>
-          <a:p>
-            <a:pPr lvl="1"/>
-            <a:r>
-              <a:rPr lang="en-IN" dirty="0"/>
-              <a:t>.</a:t>
-            </a:r>
-          </a:p>
-          <a:p>
-            <a:pPr lvl="1"/>
-            <a:r>
-              <a:rPr lang="en-IN" dirty="0"/>
-              <a:t>.</a:t>
-            </a:r>
-          </a:p>
-          <a:p>
-            <a:r>
-              <a:rPr lang="en-IN" dirty="0"/>
-              <a:t>Linear programming is when f and g are linear program</a:t>
-            </a:r>
-          </a:p>
-          <a:p>
-            <a:pPr marL="457200" lvl="1" indent="0">
-              <a:buNone/>
-            </a:pPr>
-            <a:endParaRPr lang="en-IN" dirty="0"/>
-          </a:p>
-          <a:p>
-            <a:pPr lvl="1"/>
-            <a:endParaRPr lang="en-IN" dirty="0"/>
-          </a:p>
-          <a:p>
-            <a:r>
-              <a:rPr lang="en-IN" dirty="0">
-                <a:hlinkClick r:id="rId2"/>
-              </a:rPr>
-              <a:t>AMP-Chapter-13.pdf (mit.edu)</a:t>
+              <a:rPr lang="en-US" dirty="0"/>
+              <a:t>Our constraints are linear</a:t>
+            </a:r>
+          </a:p>
+          <a:p>
+            <a:r>
+              <a:rPr lang="en-US" dirty="0"/>
+              <a:t>But cost function is non-linear depends on </a:t>
+            </a:r>
+          </a:p>
+          <a:p>
+            <a:r>
+              <a:rPr lang="en-US" dirty="0"/>
+              <a:t>Linear programming will not be sufficient</a:t>
+            </a:r>
+          </a:p>
+          <a:p>
+            <a:r>
+              <a:rPr lang="en-US" dirty="0"/>
+              <a:t>Cost function specific optimizations possible</a:t>
             </a:r>
             <a:endParaRPr lang="en-IN" dirty="0"/>
           </a:p>
@@ -5465,7 +4380,7 @@
     </p:spTree>
     <p:extLst>
       <p:ext uri="{BB962C8B-B14F-4D97-AF65-F5344CB8AC3E}">
-        <p14:creationId xmlns:p14="http://schemas.microsoft.com/office/powerpoint/2010/main" val="1278682590"/>
+        <p14:creationId xmlns:p14="http://schemas.microsoft.com/office/powerpoint/2010/main" val="1850019432"/>
       </p:ext>
     </p:extLst>
   </p:cSld>
@@ -5497,7 +4412,7 @@
           <p:cNvPr id="2" name="Title 1">
             <a:extLst>
               <a:ext uri="{FF2B5EF4-FFF2-40B4-BE49-F238E27FC236}">
-                <a16:creationId xmlns:a16="http://schemas.microsoft.com/office/drawing/2014/main" id="{32A52215-2A70-4D66-B43F-3A49BC07870F}"/>
+                <a16:creationId xmlns:a16="http://schemas.microsoft.com/office/drawing/2014/main" id="{255010D6-EF43-411F-A778-681052265227}"/>
               </a:ext>
             </a:extLst>
           </p:cNvPr>
@@ -5515,7 +4430,7 @@
           <a:p>
             <a:r>
               <a:rPr lang="en-IN" dirty="0"/>
-              <a:t>Simplex Algorithm</a:t>
+              <a:t>What is Non Linear Programming</a:t>
             </a:r>
           </a:p>
         </p:txBody>
@@ -5525,7 +4440,7 @@
           <p:cNvPr id="3" name="Content Placeholder 2">
             <a:extLst>
               <a:ext uri="{FF2B5EF4-FFF2-40B4-BE49-F238E27FC236}">
-                <a16:creationId xmlns:a16="http://schemas.microsoft.com/office/drawing/2014/main" id="{55A00A93-C583-4192-B0EB-F9341AED9873}"/>
+                <a16:creationId xmlns:a16="http://schemas.microsoft.com/office/drawing/2014/main" id="{5EF2BD96-7880-4BD8-B857-3D7578C304CD}"/>
               </a:ext>
             </a:extLst>
           </p:cNvPr>
@@ -5538,73 +4453,65 @@
         </p:nvSpPr>
         <p:spPr/>
         <p:txBody>
-          <a:bodyPr>
-            <a:normAutofit lnSpcReduction="10000"/>
-          </a:bodyPr>
+          <a:bodyPr/>
           <a:lstStyle/>
           <a:p>
             <a:r>
               <a:rPr lang="en-IN" dirty="0"/>
-              <a:t>Notes:</a:t>
+              <a:t>Maximize f(x1,x2,…,</a:t>
+            </a:r>
+            <a:r>
+              <a:rPr lang="en-IN" dirty="0" err="1"/>
+              <a:t>xn</a:t>
+            </a:r>
+            <a:r>
+              <a:rPr lang="en-IN" dirty="0"/>
+              <a:t>) subject to :</a:t>
             </a:r>
           </a:p>
           <a:p>
             <a:pPr lvl="1"/>
             <a:r>
               <a:rPr lang="en-IN" dirty="0"/>
-              <a:t>Find solution of system of linear equations and find the best solution </a:t>
+              <a:t>G1(x1,x2,..,xn)&lt;b1</a:t>
             </a:r>
           </a:p>
           <a:p>
             <a:pPr lvl="1"/>
             <a:r>
               <a:rPr lang="en-IN" dirty="0"/>
-              <a:t>Introduce slack variables to make it system of linear equations</a:t>
-            </a:r>
-          </a:p>
-          <a:p>
-            <a:pPr lvl="1"/>
+              <a:t>G2(x1,x2,..,xn)&lt;b2 …</a:t>
+            </a:r>
+          </a:p>
+          <a:p>
             <a:r>
               <a:rPr lang="en-IN" dirty="0"/>
-              <a:t>Both problems are equivalent</a:t>
-            </a:r>
-          </a:p>
-          <a:p>
-            <a:pPr lvl="1"/>
-            <a:r>
-              <a:rPr lang="en-IN" dirty="0"/>
-              <a:t>Basic solutions – all intersection points – solution with any n variables = 0</a:t>
-            </a:r>
-          </a:p>
-          <a:p>
-            <a:pPr lvl="1"/>
-            <a:r>
-              <a:rPr lang="en-IN" dirty="0"/>
-              <a:t>Basic feasible solution – if a basic solution – solution with all parameters=0 corresponding to initial system corresponds to a point in feasible region of LP only 4 in case of 2 variables 2 </a:t>
-            </a:r>
-            <a:r>
-              <a:rPr lang="en-IN" dirty="0" err="1"/>
-              <a:t>contraints</a:t>
-            </a:r>
+              <a:t>Linear programming is special case when f and g are linear program</a:t>
+            </a:r>
+          </a:p>
+          <a:p>
+            <a:pPr marL="457200" lvl="1" indent="0">
+              <a:buNone/>
+            </a:pPr>
             <a:endParaRPr lang="en-IN" dirty="0"/>
-          </a:p>
-          <a:p>
-            <a:pPr lvl="1"/>
-            <a:r>
-              <a:rPr lang="en-IN" dirty="0"/>
-              <a:t>Optimal value of objective function must exist at basic feasible solutions</a:t>
-            </a:r>
           </a:p>
           <a:p>
             <a:pPr lvl="1"/>
             <a:endParaRPr lang="en-IN" dirty="0"/>
           </a:p>
           <a:p>
-            <a:r>
-              <a:rPr lang="en-US" dirty="0">
+            <a:endParaRPr lang="en-IN" dirty="0"/>
+          </a:p>
+          <a:p>
+            <a:r>
+              <a:rPr lang="en-IN" dirty="0"/>
+              <a:t>Modelling and differences:  </a:t>
+            </a:r>
+            <a:r>
+              <a:rPr lang="en-IN" dirty="0">
                 <a:hlinkClick r:id="rId2"/>
               </a:rPr>
-              <a:t>Ch06_1-2_Simplex_Method.pdf (wsu.edu)</a:t>
+              <a:t> AMP-Chapter-13.pdf (mit.edu)</a:t>
             </a:r>
             <a:endParaRPr lang="en-IN" dirty="0"/>
           </a:p>
@@ -5613,7 +4520,7 @@
     </p:spTree>
     <p:extLst>
       <p:ext uri="{BB962C8B-B14F-4D97-AF65-F5344CB8AC3E}">
-        <p14:creationId xmlns:p14="http://schemas.microsoft.com/office/powerpoint/2010/main" val="73938704"/>
+        <p14:creationId xmlns:p14="http://schemas.microsoft.com/office/powerpoint/2010/main" val="1278682590"/>
       </p:ext>
     </p:extLst>
   </p:cSld>
@@ -5645,7 +4552,7 @@
           <p:cNvPr id="2" name="Title 1">
             <a:extLst>
               <a:ext uri="{FF2B5EF4-FFF2-40B4-BE49-F238E27FC236}">
-                <a16:creationId xmlns:a16="http://schemas.microsoft.com/office/drawing/2014/main" id="{56525983-F720-4BF4-99CC-9DE28F6A4327}"/>
+                <a16:creationId xmlns:a16="http://schemas.microsoft.com/office/drawing/2014/main" id="{736C250A-2214-492C-BA89-3EB0B78267AA}"/>
               </a:ext>
             </a:extLst>
           </p:cNvPr>
@@ -5662,9 +4569,10 @@
           <a:lstStyle/>
           <a:p>
             <a:r>
-              <a:rPr lang="en-IN" dirty="0"/>
-              <a:t>Simplex Algorithm</a:t>
-            </a:r>
+              <a:rPr lang="en-US" dirty="0"/>
+              <a:t>Non-linear programming and network flow</a:t>
+            </a:r>
+            <a:endParaRPr lang="en-IN" dirty="0"/>
           </a:p>
         </p:txBody>
       </p:sp>
@@ -5673,7 +4581,7 @@
           <p:cNvPr id="3" name="Content Placeholder 2">
             <a:extLst>
               <a:ext uri="{FF2B5EF4-FFF2-40B4-BE49-F238E27FC236}">
-                <a16:creationId xmlns:a16="http://schemas.microsoft.com/office/drawing/2014/main" id="{C1392C06-1AA7-4BF2-BFE1-3092F71A2539}"/>
+                <a16:creationId xmlns:a16="http://schemas.microsoft.com/office/drawing/2014/main" id="{396EBFA8-D296-4535-B193-E2BE45F6E7BA}"/>
               </a:ext>
             </a:extLst>
           </p:cNvPr>
@@ -5689,20 +4597,6 @@
           <a:bodyPr/>
           <a:lstStyle/>
           <a:p>
-            <a:r>
-              <a:rPr lang="en-IN" dirty="0"/>
-              <a:t>Basic variables: non zero variables = n-m</a:t>
-            </a:r>
-          </a:p>
-          <a:p>
-            <a:r>
-              <a:rPr lang="en-IN" dirty="0"/>
-              <a:t>Non Basic variables: which </a:t>
-            </a:r>
-            <a:r>
-              <a:rPr lang="en-IN"/>
-              <a:t>are zero = n</a:t>
-            </a:r>
             <a:endParaRPr lang="en-IN" dirty="0"/>
           </a:p>
         </p:txBody>
@@ -5710,7 +4604,7 @@
     </p:spTree>
     <p:extLst>
       <p:ext uri="{BB962C8B-B14F-4D97-AF65-F5344CB8AC3E}">
-        <p14:creationId xmlns:p14="http://schemas.microsoft.com/office/powerpoint/2010/main" val="3281798144"/>
+        <p14:creationId xmlns:p14="http://schemas.microsoft.com/office/powerpoint/2010/main" val="3615777363"/>
       </p:ext>
     </p:extLst>
   </p:cSld>
@@ -5742,7 +4636,7 @@
           <p:cNvPr id="2" name="Title 1">
             <a:extLst>
               <a:ext uri="{FF2B5EF4-FFF2-40B4-BE49-F238E27FC236}">
-                <a16:creationId xmlns:a16="http://schemas.microsoft.com/office/drawing/2014/main" id="{F2B9EE64-60D2-45B5-AC98-82A2A9663BDF}"/>
+                <a16:creationId xmlns:a16="http://schemas.microsoft.com/office/drawing/2014/main" id="{32A52215-2A70-4D66-B43F-3A49BC07870F}"/>
               </a:ext>
             </a:extLst>
           </p:cNvPr>
@@ -5770,7 +4664,7 @@
           <p:cNvPr id="3" name="Content Placeholder 2">
             <a:extLst>
               <a:ext uri="{FF2B5EF4-FFF2-40B4-BE49-F238E27FC236}">
-                <a16:creationId xmlns:a16="http://schemas.microsoft.com/office/drawing/2014/main" id="{882E688D-D664-4340-A556-2336B108F3D4}"/>
+                <a16:creationId xmlns:a16="http://schemas.microsoft.com/office/drawing/2014/main" id="{55A00A93-C583-4192-B0EB-F9341AED9873}"/>
               </a:ext>
             </a:extLst>
           </p:cNvPr>
@@ -5783,27 +4677,82 @@
         </p:nvSpPr>
         <p:spPr/>
         <p:txBody>
-          <a:bodyPr/>
+          <a:bodyPr>
+            <a:normAutofit lnSpcReduction="10000"/>
+          </a:bodyPr>
           <a:lstStyle/>
           <a:p>
             <a:r>
               <a:rPr lang="en-IN" dirty="0"/>
-              <a:t>Steps:</a:t>
+              <a:t>Notes:</a:t>
             </a:r>
           </a:p>
           <a:p>
             <a:pPr lvl="1"/>
             <a:r>
               <a:rPr lang="en-IN" dirty="0"/>
-              <a:t>1. </a:t>
-            </a:r>
+              <a:t>Find solution of system of linear equations and find the best solution </a:t>
+            </a:r>
+          </a:p>
+          <a:p>
+            <a:pPr lvl="1"/>
+            <a:r>
+              <a:rPr lang="en-IN" dirty="0"/>
+              <a:t>Introduce slack variables to make it system of linear equations</a:t>
+            </a:r>
+          </a:p>
+          <a:p>
+            <a:pPr lvl="1"/>
+            <a:r>
+              <a:rPr lang="en-IN" dirty="0"/>
+              <a:t>Both problems are equivalent</a:t>
+            </a:r>
+          </a:p>
+          <a:p>
+            <a:pPr lvl="1"/>
+            <a:r>
+              <a:rPr lang="en-IN" dirty="0"/>
+              <a:t>Basic solutions – all intersection points – solution with any n variables = 0</a:t>
+            </a:r>
+          </a:p>
+          <a:p>
+            <a:pPr lvl="1"/>
+            <a:r>
+              <a:rPr lang="en-IN" dirty="0"/>
+              <a:t>Basic feasible solution – if a basic solution – solution with all parameters=0 corresponding to initial system corresponds to a point in feasible region of LP only 4 in case of 2 variables 2 </a:t>
+            </a:r>
+            <a:r>
+              <a:rPr lang="en-IN" dirty="0" err="1"/>
+              <a:t>contraints</a:t>
+            </a:r>
+            <a:endParaRPr lang="en-IN" dirty="0"/>
+          </a:p>
+          <a:p>
+            <a:pPr lvl="1"/>
+            <a:r>
+              <a:rPr lang="en-IN" dirty="0"/>
+              <a:t>Optimal value of objective function must exist at basic feasible solutions</a:t>
+            </a:r>
+          </a:p>
+          <a:p>
+            <a:pPr lvl="1"/>
+            <a:endParaRPr lang="en-IN" dirty="0"/>
+          </a:p>
+          <a:p>
+            <a:r>
+              <a:rPr lang="en-US" dirty="0">
+                <a:hlinkClick r:id="rId2"/>
+              </a:rPr>
+              <a:t>Ch06_1-2_Simplex_Method.pdf (wsu.edu)</a:t>
+            </a:r>
+            <a:endParaRPr lang="en-IN" dirty="0"/>
           </a:p>
         </p:txBody>
       </p:sp>
     </p:spTree>
     <p:extLst>
       <p:ext uri="{BB962C8B-B14F-4D97-AF65-F5344CB8AC3E}">
-        <p14:creationId xmlns:p14="http://schemas.microsoft.com/office/powerpoint/2010/main" val="1864487795"/>
+        <p14:creationId xmlns:p14="http://schemas.microsoft.com/office/powerpoint/2010/main" val="73938704"/>
       </p:ext>
     </p:extLst>
   </p:cSld>
@@ -5835,7 +4784,7 @@
           <p:cNvPr id="2" name="Title 1">
             <a:extLst>
               <a:ext uri="{FF2B5EF4-FFF2-40B4-BE49-F238E27FC236}">
-                <a16:creationId xmlns:a16="http://schemas.microsoft.com/office/drawing/2014/main" id="{65CB86DF-9DC4-474D-A80A-30EC7B41E45A}"/>
+                <a16:creationId xmlns:a16="http://schemas.microsoft.com/office/drawing/2014/main" id="{F2B9EE64-60D2-45B5-AC98-82A2A9663BDF}"/>
               </a:ext>
             </a:extLst>
           </p:cNvPr>
@@ -5852,56 +4801,104 @@
           <a:lstStyle/>
           <a:p>
             <a:r>
+              <a:rPr lang="en-IN"/>
+              <a:t>Network Simplex Algorithm</a:t>
+            </a:r>
+            <a:endParaRPr lang="en-IN" dirty="0"/>
+          </a:p>
+        </p:txBody>
+      </p:sp>
+      <p:sp>
+        <p:nvSpPr>
+          <p:cNvPr id="3" name="Content Placeholder 2">
+            <a:extLst>
+              <a:ext uri="{FF2B5EF4-FFF2-40B4-BE49-F238E27FC236}">
+                <a16:creationId xmlns:a16="http://schemas.microsoft.com/office/drawing/2014/main" id="{882E688D-D664-4340-A556-2336B108F3D4}"/>
+              </a:ext>
+            </a:extLst>
+          </p:cNvPr>
+          <p:cNvSpPr>
+            <a:spLocks noGrp="1"/>
+          </p:cNvSpPr>
+          <p:nvPr>
+            <p:ph idx="1"/>
+          </p:nvPr>
+        </p:nvSpPr>
+        <p:spPr/>
+        <p:txBody>
+          <a:bodyPr/>
+          <a:lstStyle/>
+          <a:p>
+            <a:r>
               <a:rPr lang="en-IN" dirty="0"/>
-              <a:t>Simplex Algorithm on nonlinear programming</a:t>
-            </a:r>
-          </a:p>
-        </p:txBody>
-      </p:sp>
-      <p:sp>
-        <p:nvSpPr>
-          <p:cNvPr id="3" name="Content Placeholder 2">
-            <a:extLst>
-              <a:ext uri="{FF2B5EF4-FFF2-40B4-BE49-F238E27FC236}">
-                <a16:creationId xmlns:a16="http://schemas.microsoft.com/office/drawing/2014/main" id="{F24ACCA6-F556-4336-993E-3E6A6F0C271B}"/>
-              </a:ext>
-            </a:extLst>
-          </p:cNvPr>
-          <p:cNvSpPr>
-            <a:spLocks noGrp="1"/>
-          </p:cNvSpPr>
-          <p:nvPr>
-            <p:ph idx="1"/>
-          </p:nvPr>
-        </p:nvSpPr>
-        <p:spPr/>
-        <p:txBody>
-          <a:bodyPr/>
-          <a:lstStyle/>
-          <a:p>
-            <a:r>
-              <a:rPr lang="en-IN" dirty="0">
-                <a:hlinkClick r:id="rId2"/>
-              </a:rPr>
-              <a:t>ijcsmv4n3_15.pdf (ripublication.com)</a:t>
-            </a:r>
+              <a:t>For minimizing cost of network flow problems</a:t>
+            </a:r>
+          </a:p>
+          <a:p>
             <a:endParaRPr lang="en-IN" dirty="0"/>
           </a:p>
           <a:p>
-            <a:r>
-              <a:rPr lang="en-IN" dirty="0">
-                <a:hlinkClick r:id="rId3"/>
-              </a:rPr>
-              <a:t>AMP-Chapter-13.pdf (mit.edu)</a:t>
-            </a:r>
             <a:endParaRPr lang="en-IN" dirty="0"/>
           </a:p>
-        </p:txBody>
-      </p:sp>
+          <a:p>
+            <a:endParaRPr lang="en-IN" dirty="0"/>
+          </a:p>
+          <a:p>
+            <a:r>
+              <a:rPr lang="en-IN" dirty="0"/>
+              <a:t>Each edge gives a equation. Net supply at each node is fixed. Hence n*m equations and m*n unknowns. Solving using system of </a:t>
+            </a:r>
+            <a:r>
+              <a:rPr lang="en-IN" dirty="0" err="1"/>
+              <a:t>euqation</a:t>
+            </a:r>
+            <a:endParaRPr lang="en-IN" dirty="0"/>
+          </a:p>
+          <a:p>
+            <a:endParaRPr lang="en-IN" dirty="0"/>
+          </a:p>
+          <a:p>
+            <a:r>
+              <a:rPr lang="en-IN" dirty="0"/>
+              <a:t>https://homepages.rpi.edu/~mitchj/handouts/networksimplex/networksimplex.html</a:t>
+            </a:r>
+          </a:p>
+        </p:txBody>
+      </p:sp>
+      <p:pic>
+        <p:nvPicPr>
+          <p:cNvPr id="5" name="Picture 4">
+            <a:extLst>
+              <a:ext uri="{FF2B5EF4-FFF2-40B4-BE49-F238E27FC236}">
+                <a16:creationId xmlns:a16="http://schemas.microsoft.com/office/drawing/2014/main" id="{A9CCFC48-FE19-438D-8AD1-3C29350F35BE}"/>
+              </a:ext>
+            </a:extLst>
+          </p:cNvPr>
+          <p:cNvPicPr>
+            <a:picLocks noChangeAspect="1"/>
+          </p:cNvPicPr>
+          <p:nvPr/>
+        </p:nvPicPr>
+        <p:blipFill>
+          <a:blip r:embed="rId2"/>
+          <a:stretch>
+            <a:fillRect/>
+          </a:stretch>
+        </p:blipFill>
+        <p:spPr>
+          <a:xfrm>
+            <a:off x="1387604" y="2550522"/>
+            <a:ext cx="5430008" cy="1171739"/>
+          </a:xfrm>
+          <a:prstGeom prst="rect">
+            <a:avLst/>
+          </a:prstGeom>
+        </p:spPr>
+      </p:pic>
     </p:spTree>
     <p:extLst>
       <p:ext uri="{BB962C8B-B14F-4D97-AF65-F5344CB8AC3E}">
-        <p14:creationId xmlns:p14="http://schemas.microsoft.com/office/powerpoint/2010/main" val="4043624316"/>
+        <p14:creationId xmlns:p14="http://schemas.microsoft.com/office/powerpoint/2010/main" val="1864487795"/>
       </p:ext>
     </p:extLst>
   </p:cSld>
@@ -5933,7 +4930,7 @@
           <p:cNvPr id="2" name="Title 1">
             <a:extLst>
               <a:ext uri="{FF2B5EF4-FFF2-40B4-BE49-F238E27FC236}">
-                <a16:creationId xmlns:a16="http://schemas.microsoft.com/office/drawing/2014/main" id="{D58CE98C-6714-4B7C-9E8C-3544E06A81CD}"/>
+                <a16:creationId xmlns:a16="http://schemas.microsoft.com/office/drawing/2014/main" id="{65CB86DF-9DC4-474D-A80A-30EC7B41E45A}"/>
               </a:ext>
             </a:extLst>
           </p:cNvPr>
@@ -5951,7 +4948,7 @@
           <a:p>
             <a:r>
               <a:rPr lang="en-IN" dirty="0"/>
-              <a:t>Network Model</a:t>
+              <a:t>Simplex Algorithm on nonlinear programming</a:t>
             </a:r>
           </a:p>
         </p:txBody>
@@ -5961,7 +4958,7 @@
           <p:cNvPr id="3" name="Content Placeholder 2">
             <a:extLst>
               <a:ext uri="{FF2B5EF4-FFF2-40B4-BE49-F238E27FC236}">
-                <a16:creationId xmlns:a16="http://schemas.microsoft.com/office/drawing/2014/main" id="{314B4330-6516-4C52-A57E-4BC06AEEF7B3}"/>
+                <a16:creationId xmlns:a16="http://schemas.microsoft.com/office/drawing/2014/main" id="{F24ACCA6-F556-4336-993E-3E6A6F0C271B}"/>
               </a:ext>
             </a:extLst>
           </p:cNvPr>
@@ -5980,34 +4977,114 @@
           <a:lstStyle/>
           <a:p>
             <a:r>
-              <a:rPr lang="en-US" dirty="0"/>
-              <a:t>Convert multiple source multiple sink problem to single source single sink problem which can be solved with linear programming</a:t>
-            </a:r>
-          </a:p>
-          <a:p>
-            <a:r>
-              <a:rPr lang="en-US" dirty="0"/>
-              <a:t>To solve this kind of problem, we simply add a new “super-source” s and a new “super-sink” t. </a:t>
-            </a:r>
-          </a:p>
-          <a:p>
-            <a:r>
-              <a:rPr lang="en-US" dirty="0"/>
-              <a:t>Create arcs from super source to all sources with cost = 0 and capacity = maximum supply possible from corresponding source.</a:t>
-            </a:r>
-          </a:p>
-          <a:p>
-            <a:r>
-              <a:rPr lang="en-US" dirty="0"/>
-              <a:t>Create arcs from all sinks to super sink with cost = 0 and capacity = demand for corresponding sink.</a:t>
-            </a:r>
+              <a:rPr lang="en-IN" dirty="0"/>
+              <a:t>Complexity increases with non linear aspect of cost function</a:t>
+            </a:r>
+          </a:p>
+          <a:p>
+            <a:r>
+              <a:rPr lang="en-IN" dirty="0"/>
+              <a:t>Solving cost functions:</a:t>
+            </a:r>
+            <a:endParaRPr lang="en-IN" dirty="0">
+              <a:hlinkClick r:id="rId2"/>
+            </a:endParaRPr>
+          </a:p>
+          <a:p>
+            <a:pPr lvl="1"/>
+            <a:r>
+              <a:rPr lang="en-IN" dirty="0">
+                <a:hlinkClick r:id="rId2"/>
+              </a:rPr>
+              <a:t>ijcsmv4n3_15.pdf (ripublication.com)</a:t>
+            </a:r>
+            <a:r>
+              <a:rPr lang="en-IN" dirty="0"/>
+              <a:t>:</a:t>
+            </a:r>
+          </a:p>
+          <a:p>
+            <a:pPr lvl="2"/>
+            <a:r>
+              <a:rPr lang="en-IN" dirty="0"/>
+              <a:t>When only </a:t>
+            </a:r>
+            <a:r>
+              <a:rPr lang="en-IN" dirty="0" err="1"/>
+              <a:t>x</a:t>
+            </a:r>
+            <a:r>
+              <a:rPr lang="en-IN" baseline="30000" dirty="0" err="1"/>
+              <a:t>k</a:t>
+            </a:r>
+            <a:r>
+              <a:rPr lang="en-IN" dirty="0"/>
+              <a:t> are present: Substitute </a:t>
+            </a:r>
+            <a:r>
+              <a:rPr lang="en-IN" dirty="0" err="1"/>
+              <a:t>x</a:t>
+            </a:r>
+            <a:r>
+              <a:rPr lang="en-IN" baseline="30000" dirty="0" err="1"/>
+              <a:t>k</a:t>
+            </a:r>
+            <a:r>
+              <a:rPr lang="en-IN" baseline="30000" dirty="0"/>
+              <a:t> </a:t>
+            </a:r>
+            <a:r>
+              <a:rPr lang="en-IN" dirty="0"/>
+              <a:t>= y and take root of the equation</a:t>
+            </a:r>
+          </a:p>
+          <a:p>
+            <a:pPr lvl="1"/>
+            <a:r>
+              <a:rPr lang="en-IN" dirty="0">
+                <a:hlinkClick r:id="rId3"/>
+              </a:rPr>
+              <a:t>AMP-Chapter-13.pdf (mit.edu)</a:t>
+            </a:r>
+            <a:r>
+              <a:rPr lang="en-IN" dirty="0"/>
+              <a:t>:</a:t>
+            </a:r>
+          </a:p>
+          <a:p>
+            <a:pPr lvl="2"/>
+            <a:r>
+              <a:rPr lang="en-IN" dirty="0"/>
+              <a:t>Mostly depends upon function.</a:t>
+            </a:r>
+          </a:p>
+          <a:p>
+            <a:pPr lvl="2"/>
+            <a:r>
+              <a:rPr lang="en-IN" dirty="0"/>
+              <a:t>How to optimize them with substitutions and make them as linear as possible</a:t>
+            </a:r>
+          </a:p>
+          <a:p>
+            <a:pPr lvl="2"/>
+            <a:r>
+              <a:rPr lang="en-IN" dirty="0"/>
+              <a:t>Various methods – revisit once cost function is finalised</a:t>
+            </a:r>
+          </a:p>
+          <a:p>
+            <a:endParaRPr lang="en-IN" dirty="0"/>
+          </a:p>
+          <a:p>
+            <a:pPr lvl="1"/>
+            <a:endParaRPr lang="en-IN" dirty="0"/>
           </a:p>
         </p:txBody>
       </p:sp>
     </p:spTree>
     <p:extLst>
       <p:ext uri="{BB962C8B-B14F-4D97-AF65-F5344CB8AC3E}">
-        <p14:creationId xmlns:p14="http://schemas.microsoft.com/office/powerpoint/2010/main" val="287748499"/>
+        <p14:creationId xmlns:p14="http://schemas.microsoft.com/office/powerpoint/2010/main" val="4043624316"/>
       </p:ext>
     </p:extLst>
   </p:cSld>
@@ -6039,7 +5116,7 @@
           <p:cNvPr id="2" name="Title 1">
             <a:extLst>
               <a:ext uri="{FF2B5EF4-FFF2-40B4-BE49-F238E27FC236}">
-                <a16:creationId xmlns:a16="http://schemas.microsoft.com/office/drawing/2014/main" id="{807E8113-9C16-4A4D-A173-C354111378CF}"/>
+                <a16:creationId xmlns:a16="http://schemas.microsoft.com/office/drawing/2014/main" id="{18FD25E7-6CCF-454F-B89A-83485D3CAC30}"/>
               </a:ext>
             </a:extLst>
           </p:cNvPr>
@@ -6057,7 +5134,7 @@
           <a:p>
             <a:r>
               <a:rPr lang="en-IN" dirty="0"/>
-              <a:t>Network Model</a:t>
+              <a:t>Final Roadmap</a:t>
             </a:r>
           </a:p>
         </p:txBody>
@@ -6067,7 +5144,7 @@
           <p:cNvPr id="3" name="Content Placeholder 2">
             <a:extLst>
               <a:ext uri="{FF2B5EF4-FFF2-40B4-BE49-F238E27FC236}">
-                <a16:creationId xmlns:a16="http://schemas.microsoft.com/office/drawing/2014/main" id="{D1C90C0E-A545-4E07-8B61-B340258859B8}"/>
+                <a16:creationId xmlns:a16="http://schemas.microsoft.com/office/drawing/2014/main" id="{D1D01C95-CE24-4A2E-8363-A38C5FE7DC1B}"/>
               </a:ext>
             </a:extLst>
           </p:cNvPr>
@@ -6080,70 +5157,92 @@
         </p:nvSpPr>
         <p:spPr/>
         <p:txBody>
-          <a:bodyPr/>
-          <a:lstStyle/>
-          <a:p>
+          <a:bodyPr>
+            <a:normAutofit lnSpcReduction="10000"/>
+          </a:bodyPr>
+          <a:lstStyle/>
+          <a:p>
+            <a:pPr marL="514350" indent="-514350">
+              <a:buFont typeface="+mj-lt"/>
+              <a:buAutoNum type="arabicPeriod"/>
+            </a:pPr>
             <a:r>
               <a:rPr lang="en-IN" dirty="0"/>
-              <a:t>Flow in edge &lt;= capacity of edge</a:t>
-            </a:r>
-          </a:p>
-          <a:p>
+              <a:t>[DONE] Understand statement and existing solutions</a:t>
+            </a:r>
+          </a:p>
+          <a:p>
+            <a:pPr marL="514350" indent="-514350">
+              <a:buFont typeface="+mj-lt"/>
+              <a:buAutoNum type="arabicPeriod"/>
+            </a:pPr>
             <a:r>
               <a:rPr lang="en-IN" dirty="0"/>
-              <a:t>Except for super source and super sink:</a:t>
-            </a:r>
-          </a:p>
-          <a:p>
-            <a:pPr lvl="1"/>
+              <a:t>[DONE] Randomly create data with required conditions – select a state, select randomly some cities as source with total sum equal to given sum, give random requirement to all districts, get distance between all sources and sinks</a:t>
+            </a:r>
+          </a:p>
+          <a:p>
+            <a:pPr marL="514350" indent="-514350">
+              <a:buFont typeface="+mj-lt"/>
+              <a:buAutoNum type="arabicPeriod"/>
+            </a:pPr>
             <a:r>
               <a:rPr lang="en-IN" dirty="0"/>
-              <a:t>Net in flow of a node = net outflow </a:t>
-            </a:r>
-          </a:p>
-          <a:p>
-            <a:pPr lvl="1"/>
+              <a:t>Model the problem:</a:t>
+            </a:r>
+          </a:p>
+          <a:p>
+            <a:pPr marL="971550" lvl="1" indent="-514350">
+              <a:buFont typeface="+mj-lt"/>
+              <a:buAutoNum type="arabicPeriod"/>
+            </a:pPr>
+            <a:r>
+              <a:rPr lang="en-IN" dirty="0"/>
+              <a:t>Cost function?</a:t>
+            </a:r>
+          </a:p>
+          <a:p>
+            <a:pPr marL="971550" lvl="1" indent="-514350">
+              <a:buFont typeface="+mj-lt"/>
+              <a:buAutoNum type="arabicPeriod"/>
+            </a:pPr>
+            <a:r>
+              <a:rPr lang="en-IN" dirty="0"/>
+              <a:t>C++/Python?</a:t>
+            </a:r>
+          </a:p>
+          <a:p>
+            <a:pPr marL="514350" indent="-514350">
+              <a:buFont typeface="+mj-lt"/>
+              <a:buAutoNum type="arabicPeriod"/>
+            </a:pPr>
+            <a:r>
+              <a:rPr lang="en-IN" dirty="0"/>
+              <a:t>Write Algorithm and parallelize it</a:t>
+            </a:r>
+          </a:p>
+          <a:p>
+            <a:pPr marL="514350" indent="-514350">
+              <a:buFont typeface="+mj-lt"/>
+              <a:buAutoNum type="arabicPeriod"/>
+            </a:pPr>
+            <a:r>
+              <a:rPr lang="en-IN" dirty="0"/>
+              <a:t>Comparison &amp; Contrast with parameters</a:t>
+            </a:r>
+          </a:p>
+          <a:p>
+            <a:pPr marL="514350" indent="-514350">
+              <a:buFont typeface="+mj-lt"/>
+              <a:buAutoNum type="arabicPeriod"/>
+            </a:pPr>
             <a:endParaRPr lang="en-IN" dirty="0"/>
           </a:p>
           <a:p>
-            <a:pPr lvl="1"/>
-            <a:endParaRPr lang="en-IN" dirty="0"/>
-          </a:p>
-          <a:p>
-            <a:r>
-              <a:rPr lang="en-IN" dirty="0"/>
-              <a:t>Cost function:</a:t>
-            </a:r>
-          </a:p>
-          <a:p>
-            <a:pPr lvl="1"/>
-            <a:r>
-              <a:rPr lang="en-IN" dirty="0"/>
-              <a:t>Parameters:</a:t>
-            </a:r>
-          </a:p>
-          <a:p>
-            <a:pPr lvl="2"/>
-            <a:r>
-              <a:rPr lang="en-IN" dirty="0"/>
-              <a:t>Monetary cost = base cost + flow dependent cost</a:t>
-            </a:r>
-          </a:p>
-          <a:p>
-            <a:pPr lvl="2"/>
-            <a:r>
-              <a:rPr lang="en-IN" dirty="0"/>
-              <a:t>Time cost?</a:t>
-            </a:r>
-          </a:p>
-          <a:p>
-            <a:pPr lvl="2"/>
-            <a:r>
-              <a:rPr lang="en-IN" dirty="0"/>
-              <a:t>Due to Demand of sink node?</a:t>
-            </a:r>
-          </a:p>
-          <a:p>
+            <a:pPr marL="514350" indent="-514350">
+              <a:buFont typeface="+mj-lt"/>
+              <a:buAutoNum type="arabicPeriod"/>
+            </a:pPr>
             <a:endParaRPr lang="en-IN" dirty="0"/>
           </a:p>
         </p:txBody>
@@ -6151,7 +5250,7 @@
     </p:spTree>
     <p:extLst>
       <p:ext uri="{BB962C8B-B14F-4D97-AF65-F5344CB8AC3E}">
-        <p14:creationId xmlns:p14="http://schemas.microsoft.com/office/powerpoint/2010/main" val="4281781112"/>
+        <p14:creationId xmlns:p14="http://schemas.microsoft.com/office/powerpoint/2010/main" val="1514693873"/>
       </p:ext>
     </p:extLst>
   </p:cSld>

--- a/week-3.pptx
+++ b/week-3.pptx
@@ -5,7 +5,7 @@
     <p:sldMasterId id="2147483648" r:id="rId1"/>
   </p:sldMasterIdLst>
   <p:notesMasterIdLst>
-    <p:notesMasterId r:id="rId13"/>
+    <p:notesMasterId r:id="rId14"/>
   </p:notesMasterIdLst>
   <p:sldIdLst>
     <p:sldId id="256" r:id="rId2"/>
@@ -19,6 +19,7 @@
     <p:sldId id="270" r:id="rId10"/>
     <p:sldId id="277" r:id="rId11"/>
     <p:sldId id="260" r:id="rId12"/>
+    <p:sldId id="279" r:id="rId13"/>
   </p:sldIdLst>
   <p:sldSz cx="12192000" cy="6858000"/>
   <p:notesSz cx="6858000" cy="9144000"/>
@@ -207,7 +208,7 @@
           <a:p>
             <a:fld id="{1C52D7C2-8534-4E7A-ABC4-691EAD8C514E}" type="datetimeFigureOut">
               <a:rPr lang="en-IN" smtClean="0"/>
-              <a:t>19-06-2021</a:t>
+              <a:t>22-06-2021</a:t>
             </a:fld>
             <a:endParaRPr lang="en-IN"/>
           </a:p>
@@ -708,7 +709,7 @@
           <a:p>
             <a:fld id="{C13FBCF6-97A0-4024-9E89-2567FE0DCFCF}" type="datetimeFigureOut">
               <a:rPr lang="en-IN" smtClean="0"/>
-              <a:t>19-06-2021</a:t>
+              <a:t>22-06-2021</a:t>
             </a:fld>
             <a:endParaRPr lang="en-IN"/>
           </a:p>
@@ -908,7 +909,7 @@
           <a:p>
             <a:fld id="{C13FBCF6-97A0-4024-9E89-2567FE0DCFCF}" type="datetimeFigureOut">
               <a:rPr lang="en-IN" smtClean="0"/>
-              <a:t>19-06-2021</a:t>
+              <a:t>22-06-2021</a:t>
             </a:fld>
             <a:endParaRPr lang="en-IN"/>
           </a:p>
@@ -1118,7 +1119,7 @@
           <a:p>
             <a:fld id="{C13FBCF6-97A0-4024-9E89-2567FE0DCFCF}" type="datetimeFigureOut">
               <a:rPr lang="en-IN" smtClean="0"/>
-              <a:t>19-06-2021</a:t>
+              <a:t>22-06-2021</a:t>
             </a:fld>
             <a:endParaRPr lang="en-IN"/>
           </a:p>
@@ -1318,7 +1319,7 @@
           <a:p>
             <a:fld id="{C13FBCF6-97A0-4024-9E89-2567FE0DCFCF}" type="datetimeFigureOut">
               <a:rPr lang="en-IN" smtClean="0"/>
-              <a:t>19-06-2021</a:t>
+              <a:t>22-06-2021</a:t>
             </a:fld>
             <a:endParaRPr lang="en-IN"/>
           </a:p>
@@ -1594,7 +1595,7 @@
           <a:p>
             <a:fld id="{C13FBCF6-97A0-4024-9E89-2567FE0DCFCF}" type="datetimeFigureOut">
               <a:rPr lang="en-IN" smtClean="0"/>
-              <a:t>19-06-2021</a:t>
+              <a:t>22-06-2021</a:t>
             </a:fld>
             <a:endParaRPr lang="en-IN"/>
           </a:p>
@@ -1862,7 +1863,7 @@
           <a:p>
             <a:fld id="{C13FBCF6-97A0-4024-9E89-2567FE0DCFCF}" type="datetimeFigureOut">
               <a:rPr lang="en-IN" smtClean="0"/>
-              <a:t>19-06-2021</a:t>
+              <a:t>22-06-2021</a:t>
             </a:fld>
             <a:endParaRPr lang="en-IN"/>
           </a:p>
@@ -2277,7 +2278,7 @@
           <a:p>
             <a:fld id="{C13FBCF6-97A0-4024-9E89-2567FE0DCFCF}" type="datetimeFigureOut">
               <a:rPr lang="en-IN" smtClean="0"/>
-              <a:t>19-06-2021</a:t>
+              <a:t>22-06-2021</a:t>
             </a:fld>
             <a:endParaRPr lang="en-IN"/>
           </a:p>
@@ -2419,7 +2420,7 @@
           <a:p>
             <a:fld id="{C13FBCF6-97A0-4024-9E89-2567FE0DCFCF}" type="datetimeFigureOut">
               <a:rPr lang="en-IN" smtClean="0"/>
-              <a:t>19-06-2021</a:t>
+              <a:t>22-06-2021</a:t>
             </a:fld>
             <a:endParaRPr lang="en-IN"/>
           </a:p>
@@ -2532,7 +2533,7 @@
           <a:p>
             <a:fld id="{C13FBCF6-97A0-4024-9E89-2567FE0DCFCF}" type="datetimeFigureOut">
               <a:rPr lang="en-IN" smtClean="0"/>
-              <a:t>19-06-2021</a:t>
+              <a:t>22-06-2021</a:t>
             </a:fld>
             <a:endParaRPr lang="en-IN"/>
           </a:p>
@@ -2845,7 +2846,7 @@
           <a:p>
             <a:fld id="{C13FBCF6-97A0-4024-9E89-2567FE0DCFCF}" type="datetimeFigureOut">
               <a:rPr lang="en-IN" smtClean="0"/>
-              <a:t>19-06-2021</a:t>
+              <a:t>22-06-2021</a:t>
             </a:fld>
             <a:endParaRPr lang="en-IN"/>
           </a:p>
@@ -3134,7 +3135,7 @@
           <a:p>
             <a:fld id="{C13FBCF6-97A0-4024-9E89-2567FE0DCFCF}" type="datetimeFigureOut">
               <a:rPr lang="en-IN" smtClean="0"/>
-              <a:t>19-06-2021</a:t>
+              <a:t>22-06-2021</a:t>
             </a:fld>
             <a:endParaRPr lang="en-IN"/>
           </a:p>
@@ -3377,7 +3378,7 @@
           <a:p>
             <a:fld id="{C13FBCF6-97A0-4024-9E89-2567FE0DCFCF}" type="datetimeFigureOut">
               <a:rPr lang="en-IN" smtClean="0"/>
-              <a:t>19-06-2021</a:t>
+              <a:t>22-06-2021</a:t>
             </a:fld>
             <a:endParaRPr lang="en-IN"/>
           </a:p>
@@ -4123,6 +4124,104 @@
     <p:extLst>
       <p:ext uri="{BB962C8B-B14F-4D97-AF65-F5344CB8AC3E}">
         <p14:creationId xmlns:p14="http://schemas.microsoft.com/office/powerpoint/2010/main" val="3509324096"/>
+      </p:ext>
+    </p:extLst>
+  </p:cSld>
+  <p:clrMapOvr>
+    <a:masterClrMapping/>
+  </p:clrMapOvr>
+</p:sld>
+</file>
+
+<file path=ppt/slides/slide12.xml><?xml version="1.0" encoding="utf-8"?>
+<p:sld xmlns:a="http://schemas.openxmlformats.org/drawingml/2006/main" xmlns:r="http://schemas.openxmlformats.org/officeDocument/2006/relationships" xmlns:p="http://schemas.openxmlformats.org/presentationml/2006/main">
+  <p:cSld>
+    <p:spTree>
+      <p:nvGrpSpPr>
+        <p:cNvPr id="1" name=""/>
+        <p:cNvGrpSpPr/>
+        <p:nvPr/>
+      </p:nvGrpSpPr>
+      <p:grpSpPr>
+        <a:xfrm>
+          <a:off x="0" y="0"/>
+          <a:ext cx="0" cy="0"/>
+          <a:chOff x="0" y="0"/>
+          <a:chExt cx="0" cy="0"/>
+        </a:xfrm>
+      </p:grpSpPr>
+      <p:sp>
+        <p:nvSpPr>
+          <p:cNvPr id="2" name="Title 1">
+            <a:extLst>
+              <a:ext uri="{FF2B5EF4-FFF2-40B4-BE49-F238E27FC236}">
+                <a16:creationId xmlns:a16="http://schemas.microsoft.com/office/drawing/2014/main" id="{B93E6AD4-4D66-4A61-B810-753F1575C7DA}"/>
+              </a:ext>
+            </a:extLst>
+          </p:cNvPr>
+          <p:cNvSpPr>
+            <a:spLocks noGrp="1"/>
+          </p:cNvSpPr>
+          <p:nvPr>
+            <p:ph type="title"/>
+          </p:nvPr>
+        </p:nvSpPr>
+        <p:spPr/>
+        <p:txBody>
+          <a:bodyPr/>
+          <a:lstStyle/>
+          <a:p>
+            <a:r>
+              <a:rPr lang="en-US" dirty="0"/>
+              <a:t>TODO</a:t>
+            </a:r>
+            <a:endParaRPr lang="en-IN" dirty="0"/>
+          </a:p>
+        </p:txBody>
+      </p:sp>
+      <p:sp>
+        <p:nvSpPr>
+          <p:cNvPr id="3" name="Content Placeholder 2">
+            <a:extLst>
+              <a:ext uri="{FF2B5EF4-FFF2-40B4-BE49-F238E27FC236}">
+                <a16:creationId xmlns:a16="http://schemas.microsoft.com/office/drawing/2014/main" id="{A23EF04C-8D6D-453D-88C8-D79990329099}"/>
+              </a:ext>
+            </a:extLst>
+          </p:cNvPr>
+          <p:cNvSpPr>
+            <a:spLocks noGrp="1"/>
+          </p:cNvSpPr>
+          <p:nvPr>
+            <p:ph idx="1"/>
+          </p:nvPr>
+        </p:nvSpPr>
+        <p:spPr/>
+        <p:txBody>
+          <a:bodyPr/>
+          <a:lstStyle/>
+          <a:p>
+            <a:r>
+              <a:rPr lang="en-US" dirty="0"/>
+              <a:t>Write the model and solve it [URGENT]</a:t>
+            </a:r>
+          </a:p>
+          <a:p>
+            <a:r>
+              <a:rPr lang="en-US" dirty="0"/>
+              <a:t>Parallel libraries for </a:t>
+            </a:r>
+            <a:r>
+              <a:rPr lang="en-US"/>
+              <a:t>network flow</a:t>
+            </a:r>
+            <a:endParaRPr lang="en-IN"/>
+          </a:p>
+        </p:txBody>
+      </p:sp>
+    </p:spTree>
+    <p:extLst>
+      <p:ext uri="{BB962C8B-B14F-4D97-AF65-F5344CB8AC3E}">
+        <p14:creationId xmlns:p14="http://schemas.microsoft.com/office/powerpoint/2010/main" val="925107340"/>
       </p:ext>
     </p:extLst>
   </p:cSld>
